--- a/aboutgif.pptx
+++ b/aboutgif.pptx
@@ -4,11 +4,24 @@
   <p:sldMasterIdLst>
     <p:sldMasterId id="2147483648" r:id="rId1"/>
   </p:sldMasterIdLst>
+  <p:notesMasterIdLst>
+    <p:notesMasterId r:id="rId16"/>
+  </p:notesMasterIdLst>
   <p:sldIdLst>
     <p:sldId id="256" r:id="rId2"/>
     <p:sldId id="257" r:id="rId3"/>
-    <p:sldId id="258" r:id="rId4"/>
-    <p:sldId id="259" r:id="rId5"/>
+    <p:sldId id="263" r:id="rId4"/>
+    <p:sldId id="261" r:id="rId5"/>
+    <p:sldId id="262" r:id="rId6"/>
+    <p:sldId id="264" r:id="rId7"/>
+    <p:sldId id="265" r:id="rId8"/>
+    <p:sldId id="267" r:id="rId9"/>
+    <p:sldId id="269" r:id="rId10"/>
+    <p:sldId id="268" r:id="rId11"/>
+    <p:sldId id="258" r:id="rId12"/>
+    <p:sldId id="270" r:id="rId13"/>
+    <p:sldId id="271" r:id="rId14"/>
+    <p:sldId id="266" r:id="rId15"/>
   </p:sldIdLst>
   <p:sldSz cx="12192000" cy="6858000"/>
   <p:notesSz cx="6858000" cy="9144000"/>
@@ -107,7 +120,470 @@
       </a:defRPr>
     </a:lvl9pPr>
   </p:defaultTextStyle>
+  <p:extLst>
+    <p:ext uri="{521415D9-36F7-43E2-AB2F-B90AF26B5E84}">
+      <p14:sectionLst xmlns:p14="http://schemas.microsoft.com/office/powerpoint/2010/main">
+        <p14:section name="Default Section" id="{29E078B4-077B-445A-920C-3A8ACF54F31E}">
+          <p14:sldIdLst>
+            <p14:sldId id="256"/>
+            <p14:sldId id="257"/>
+            <p14:sldId id="263"/>
+            <p14:sldId id="261"/>
+            <p14:sldId id="262"/>
+            <p14:sldId id="264"/>
+            <p14:sldId id="265"/>
+            <p14:sldId id="267"/>
+            <p14:sldId id="269"/>
+            <p14:sldId id="268"/>
+            <p14:sldId id="258"/>
+            <p14:sldId id="270"/>
+            <p14:sldId id="271"/>
+            <p14:sldId id="266"/>
+          </p14:sldIdLst>
+        </p14:section>
+      </p14:sectionLst>
+    </p:ext>
+    <p:ext uri="{EFAFB233-063F-42B5-8137-9DF3F51BA10A}">
+      <p15:sldGuideLst xmlns:p15="http://schemas.microsoft.com/office/powerpoint/2012/main"/>
+    </p:ext>
+  </p:extLst>
 </p:presentation>
+</file>
+
+<file path=ppt/notesMasters/notesMaster1.xml><?xml version="1.0" encoding="utf-8"?>
+<p:notesMaster xmlns:a="http://schemas.openxmlformats.org/drawingml/2006/main" xmlns:r="http://schemas.openxmlformats.org/officeDocument/2006/relationships" xmlns:p="http://schemas.openxmlformats.org/presentationml/2006/main">
+  <p:cSld>
+    <p:bg>
+      <p:bgRef idx="1001">
+        <a:schemeClr val="bg1"/>
+      </p:bgRef>
+    </p:bg>
+    <p:spTree>
+      <p:nvGrpSpPr>
+        <p:cNvPr id="1" name=""/>
+        <p:cNvGrpSpPr/>
+        <p:nvPr/>
+      </p:nvGrpSpPr>
+      <p:grpSpPr>
+        <a:xfrm>
+          <a:off x="0" y="0"/>
+          <a:ext cx="0" cy="0"/>
+          <a:chOff x="0" y="0"/>
+          <a:chExt cx="0" cy="0"/>
+        </a:xfrm>
+      </p:grpSpPr>
+      <p:sp>
+        <p:nvSpPr>
+          <p:cNvPr id="2" name="Header Placeholder 1"/>
+          <p:cNvSpPr>
+            <a:spLocks noGrp="1"/>
+          </p:cNvSpPr>
+          <p:nvPr>
+            <p:ph type="hdr" sz="quarter"/>
+          </p:nvPr>
+        </p:nvSpPr>
+        <p:spPr>
+          <a:xfrm>
+            <a:off x="0" y="0"/>
+            <a:ext cx="2971800" cy="458788"/>
+          </a:xfrm>
+          <a:prstGeom prst="rect">
+            <a:avLst/>
+          </a:prstGeom>
+        </p:spPr>
+        <p:txBody>
+          <a:bodyPr vert="horz" lIns="91440" tIns="45720" rIns="91440" bIns="45720" rtlCol="0"/>
+          <a:lstStyle>
+            <a:lvl1pPr algn="l">
+              <a:defRPr sz="1200"/>
+            </a:lvl1pPr>
+          </a:lstStyle>
+          <a:p>
+            <a:endParaRPr lang="en-US"/>
+          </a:p>
+        </p:txBody>
+      </p:sp>
+      <p:sp>
+        <p:nvSpPr>
+          <p:cNvPr id="3" name="Date Placeholder 2"/>
+          <p:cNvSpPr>
+            <a:spLocks noGrp="1"/>
+          </p:cNvSpPr>
+          <p:nvPr>
+            <p:ph type="dt" idx="1"/>
+          </p:nvPr>
+        </p:nvSpPr>
+        <p:spPr>
+          <a:xfrm>
+            <a:off x="3884613" y="0"/>
+            <a:ext cx="2971800" cy="458788"/>
+          </a:xfrm>
+          <a:prstGeom prst="rect">
+            <a:avLst/>
+          </a:prstGeom>
+        </p:spPr>
+        <p:txBody>
+          <a:bodyPr vert="horz" lIns="91440" tIns="45720" rIns="91440" bIns="45720" rtlCol="0"/>
+          <a:lstStyle>
+            <a:lvl1pPr algn="r">
+              <a:defRPr sz="1200"/>
+            </a:lvl1pPr>
+          </a:lstStyle>
+          <a:p>
+            <a:fld id="{B26EFDE2-F2D1-4406-B1B6-242E568B5D40}" type="datetimeFigureOut">
+              <a:rPr lang="en-US" smtClean="0"/>
+              <a:t>11/18/2022</a:t>
+            </a:fld>
+            <a:endParaRPr lang="en-US"/>
+          </a:p>
+        </p:txBody>
+      </p:sp>
+      <p:sp>
+        <p:nvSpPr>
+          <p:cNvPr id="4" name="Slide Image Placeholder 3"/>
+          <p:cNvSpPr>
+            <a:spLocks noGrp="1" noRot="1" noChangeAspect="1"/>
+          </p:cNvSpPr>
+          <p:nvPr>
+            <p:ph type="sldImg" idx="2"/>
+          </p:nvPr>
+        </p:nvSpPr>
+        <p:spPr>
+          <a:xfrm>
+            <a:off x="685800" y="1143000"/>
+            <a:ext cx="5486400" cy="3086100"/>
+          </a:xfrm>
+          <a:prstGeom prst="rect">
+            <a:avLst/>
+          </a:prstGeom>
+          <a:noFill/>
+          <a:ln w="12700">
+            <a:solidFill>
+              <a:prstClr val="black"/>
+            </a:solidFill>
+          </a:ln>
+        </p:spPr>
+        <p:txBody>
+          <a:bodyPr vert="horz" lIns="91440" tIns="45720" rIns="91440" bIns="45720" rtlCol="0" anchor="ctr"/>
+          <a:lstStyle/>
+          <a:p>
+            <a:endParaRPr lang="en-US"/>
+          </a:p>
+        </p:txBody>
+      </p:sp>
+      <p:sp>
+        <p:nvSpPr>
+          <p:cNvPr id="5" name="Notes Placeholder 4"/>
+          <p:cNvSpPr>
+            <a:spLocks noGrp="1"/>
+          </p:cNvSpPr>
+          <p:nvPr>
+            <p:ph type="body" sz="quarter" idx="3"/>
+          </p:nvPr>
+        </p:nvSpPr>
+        <p:spPr>
+          <a:xfrm>
+            <a:off x="685800" y="4400550"/>
+            <a:ext cx="5486400" cy="3600450"/>
+          </a:xfrm>
+          <a:prstGeom prst="rect">
+            <a:avLst/>
+          </a:prstGeom>
+        </p:spPr>
+        <p:txBody>
+          <a:bodyPr vert="horz" lIns="91440" tIns="45720" rIns="91440" bIns="45720" rtlCol="0"/>
+          <a:lstStyle/>
+          <a:p>
+            <a:pPr lvl="0"/>
+            <a:r>
+              <a:rPr lang="en-US"/>
+              <a:t>Click to edit Master text styles</a:t>
+            </a:r>
+          </a:p>
+          <a:p>
+            <a:pPr lvl="1"/>
+            <a:r>
+              <a:rPr lang="en-US"/>
+              <a:t>Second level</a:t>
+            </a:r>
+          </a:p>
+          <a:p>
+            <a:pPr lvl="2"/>
+            <a:r>
+              <a:rPr lang="en-US"/>
+              <a:t>Third level</a:t>
+            </a:r>
+          </a:p>
+          <a:p>
+            <a:pPr lvl="3"/>
+            <a:r>
+              <a:rPr lang="en-US"/>
+              <a:t>Fourth level</a:t>
+            </a:r>
+          </a:p>
+          <a:p>
+            <a:pPr lvl="4"/>
+            <a:r>
+              <a:rPr lang="en-US"/>
+              <a:t>Fifth level</a:t>
+            </a:r>
+          </a:p>
+        </p:txBody>
+      </p:sp>
+      <p:sp>
+        <p:nvSpPr>
+          <p:cNvPr id="6" name="Footer Placeholder 5"/>
+          <p:cNvSpPr>
+            <a:spLocks noGrp="1"/>
+          </p:cNvSpPr>
+          <p:nvPr>
+            <p:ph type="ftr" sz="quarter" idx="4"/>
+          </p:nvPr>
+        </p:nvSpPr>
+        <p:spPr>
+          <a:xfrm>
+            <a:off x="0" y="8685213"/>
+            <a:ext cx="2971800" cy="458787"/>
+          </a:xfrm>
+          <a:prstGeom prst="rect">
+            <a:avLst/>
+          </a:prstGeom>
+        </p:spPr>
+        <p:txBody>
+          <a:bodyPr vert="horz" lIns="91440" tIns="45720" rIns="91440" bIns="45720" rtlCol="0" anchor="b"/>
+          <a:lstStyle>
+            <a:lvl1pPr algn="l">
+              <a:defRPr sz="1200"/>
+            </a:lvl1pPr>
+          </a:lstStyle>
+          <a:p>
+            <a:endParaRPr lang="en-US"/>
+          </a:p>
+        </p:txBody>
+      </p:sp>
+      <p:sp>
+        <p:nvSpPr>
+          <p:cNvPr id="7" name="Slide Number Placeholder 6"/>
+          <p:cNvSpPr>
+            <a:spLocks noGrp="1"/>
+          </p:cNvSpPr>
+          <p:nvPr>
+            <p:ph type="sldNum" sz="quarter" idx="5"/>
+          </p:nvPr>
+        </p:nvSpPr>
+        <p:spPr>
+          <a:xfrm>
+            <a:off x="3884613" y="8685213"/>
+            <a:ext cx="2971800" cy="458787"/>
+          </a:xfrm>
+          <a:prstGeom prst="rect">
+            <a:avLst/>
+          </a:prstGeom>
+        </p:spPr>
+        <p:txBody>
+          <a:bodyPr vert="horz" lIns="91440" tIns="45720" rIns="91440" bIns="45720" rtlCol="0" anchor="b"/>
+          <a:lstStyle>
+            <a:lvl1pPr algn="r">
+              <a:defRPr sz="1200"/>
+            </a:lvl1pPr>
+          </a:lstStyle>
+          <a:p>
+            <a:fld id="{FFEFE1DA-182C-43D6-B112-318C6EFD473C}" type="slidenum">
+              <a:rPr lang="en-US" smtClean="0"/>
+              <a:t>‹#›</a:t>
+            </a:fld>
+            <a:endParaRPr lang="en-US"/>
+          </a:p>
+        </p:txBody>
+      </p:sp>
+    </p:spTree>
+    <p:extLst>
+      <p:ext uri="{BB962C8B-B14F-4D97-AF65-F5344CB8AC3E}">
+        <p14:creationId xmlns:p14="http://schemas.microsoft.com/office/powerpoint/2010/main" val="1554935288"/>
+      </p:ext>
+    </p:extLst>
+  </p:cSld>
+  <p:clrMap bg1="lt1" tx1="dk1" bg2="lt2" tx2="dk2" accent1="accent1" accent2="accent2" accent3="accent3" accent4="accent4" accent5="accent5" accent6="accent6" hlink="hlink" folHlink="folHlink"/>
+  <p:notesStyle>
+    <a:lvl1pPr marL="0" algn="l" defTabSz="914400" rtl="0" eaLnBrk="1" latinLnBrk="0" hangingPunct="1">
+      <a:defRPr sz="1200" kern="1200">
+        <a:solidFill>
+          <a:schemeClr val="tx1"/>
+        </a:solidFill>
+        <a:latin typeface="+mn-lt"/>
+        <a:ea typeface="+mn-ea"/>
+        <a:cs typeface="+mn-cs"/>
+      </a:defRPr>
+    </a:lvl1pPr>
+    <a:lvl2pPr marL="457200" algn="l" defTabSz="914400" rtl="0" eaLnBrk="1" latinLnBrk="0" hangingPunct="1">
+      <a:defRPr sz="1200" kern="1200">
+        <a:solidFill>
+          <a:schemeClr val="tx1"/>
+        </a:solidFill>
+        <a:latin typeface="+mn-lt"/>
+        <a:ea typeface="+mn-ea"/>
+        <a:cs typeface="+mn-cs"/>
+      </a:defRPr>
+    </a:lvl2pPr>
+    <a:lvl3pPr marL="914400" algn="l" defTabSz="914400" rtl="0" eaLnBrk="1" latinLnBrk="0" hangingPunct="1">
+      <a:defRPr sz="1200" kern="1200">
+        <a:solidFill>
+          <a:schemeClr val="tx1"/>
+        </a:solidFill>
+        <a:latin typeface="+mn-lt"/>
+        <a:ea typeface="+mn-ea"/>
+        <a:cs typeface="+mn-cs"/>
+      </a:defRPr>
+    </a:lvl3pPr>
+    <a:lvl4pPr marL="1371600" algn="l" defTabSz="914400" rtl="0" eaLnBrk="1" latinLnBrk="0" hangingPunct="1">
+      <a:defRPr sz="1200" kern="1200">
+        <a:solidFill>
+          <a:schemeClr val="tx1"/>
+        </a:solidFill>
+        <a:latin typeface="+mn-lt"/>
+        <a:ea typeface="+mn-ea"/>
+        <a:cs typeface="+mn-cs"/>
+      </a:defRPr>
+    </a:lvl4pPr>
+    <a:lvl5pPr marL="1828800" algn="l" defTabSz="914400" rtl="0" eaLnBrk="1" latinLnBrk="0" hangingPunct="1">
+      <a:defRPr sz="1200" kern="1200">
+        <a:solidFill>
+          <a:schemeClr val="tx1"/>
+        </a:solidFill>
+        <a:latin typeface="+mn-lt"/>
+        <a:ea typeface="+mn-ea"/>
+        <a:cs typeface="+mn-cs"/>
+      </a:defRPr>
+    </a:lvl5pPr>
+    <a:lvl6pPr marL="2286000" algn="l" defTabSz="914400" rtl="0" eaLnBrk="1" latinLnBrk="0" hangingPunct="1">
+      <a:defRPr sz="1200" kern="1200">
+        <a:solidFill>
+          <a:schemeClr val="tx1"/>
+        </a:solidFill>
+        <a:latin typeface="+mn-lt"/>
+        <a:ea typeface="+mn-ea"/>
+        <a:cs typeface="+mn-cs"/>
+      </a:defRPr>
+    </a:lvl6pPr>
+    <a:lvl7pPr marL="2743200" algn="l" defTabSz="914400" rtl="0" eaLnBrk="1" latinLnBrk="0" hangingPunct="1">
+      <a:defRPr sz="1200" kern="1200">
+        <a:solidFill>
+          <a:schemeClr val="tx1"/>
+        </a:solidFill>
+        <a:latin typeface="+mn-lt"/>
+        <a:ea typeface="+mn-ea"/>
+        <a:cs typeface="+mn-cs"/>
+      </a:defRPr>
+    </a:lvl7pPr>
+    <a:lvl8pPr marL="3200400" algn="l" defTabSz="914400" rtl="0" eaLnBrk="1" latinLnBrk="0" hangingPunct="1">
+      <a:defRPr sz="1200" kern="1200">
+        <a:solidFill>
+          <a:schemeClr val="tx1"/>
+        </a:solidFill>
+        <a:latin typeface="+mn-lt"/>
+        <a:ea typeface="+mn-ea"/>
+        <a:cs typeface="+mn-cs"/>
+      </a:defRPr>
+    </a:lvl8pPr>
+    <a:lvl9pPr marL="3657600" algn="l" defTabSz="914400" rtl="0" eaLnBrk="1" latinLnBrk="0" hangingPunct="1">
+      <a:defRPr sz="1200" kern="1200">
+        <a:solidFill>
+          <a:schemeClr val="tx1"/>
+        </a:solidFill>
+        <a:latin typeface="+mn-lt"/>
+        <a:ea typeface="+mn-ea"/>
+        <a:cs typeface="+mn-cs"/>
+      </a:defRPr>
+    </a:lvl9pPr>
+  </p:notesStyle>
+</p:notesMaster>
+</file>
+
+<file path=ppt/notesSlides/notesSlide1.xml><?xml version="1.0" encoding="utf-8"?>
+<p:notes xmlns:a="http://schemas.openxmlformats.org/drawingml/2006/main" xmlns:r="http://schemas.openxmlformats.org/officeDocument/2006/relationships" xmlns:p="http://schemas.openxmlformats.org/presentationml/2006/main">
+  <p:cSld>
+    <p:spTree>
+      <p:nvGrpSpPr>
+        <p:cNvPr id="1" name=""/>
+        <p:cNvGrpSpPr/>
+        <p:nvPr/>
+      </p:nvGrpSpPr>
+      <p:grpSpPr>
+        <a:xfrm>
+          <a:off x="0" y="0"/>
+          <a:ext cx="0" cy="0"/>
+          <a:chOff x="0" y="0"/>
+          <a:chExt cx="0" cy="0"/>
+        </a:xfrm>
+      </p:grpSpPr>
+      <p:sp>
+        <p:nvSpPr>
+          <p:cNvPr id="2" name="Slide Image Placeholder 1"/>
+          <p:cNvSpPr>
+            <a:spLocks noGrp="1" noRot="1" noChangeAspect="1"/>
+          </p:cNvSpPr>
+          <p:nvPr>
+            <p:ph type="sldImg"/>
+          </p:nvPr>
+        </p:nvSpPr>
+        <p:spPr/>
+      </p:sp>
+      <p:sp>
+        <p:nvSpPr>
+          <p:cNvPr id="3" name="Notes Placeholder 2"/>
+          <p:cNvSpPr>
+            <a:spLocks noGrp="1"/>
+          </p:cNvSpPr>
+          <p:nvPr>
+            <p:ph type="body" idx="1"/>
+          </p:nvPr>
+        </p:nvSpPr>
+        <p:spPr/>
+        <p:txBody>
+          <a:bodyPr/>
+          <a:lstStyle/>
+          <a:p>
+            <a:r>
+              <a:rPr lang="en-US" dirty="0"/>
+              <a:t>Fei Deng</a:t>
+            </a:r>
+          </a:p>
+        </p:txBody>
+      </p:sp>
+      <p:sp>
+        <p:nvSpPr>
+          <p:cNvPr id="4" name="Slide Number Placeholder 3"/>
+          <p:cNvSpPr>
+            <a:spLocks noGrp="1"/>
+          </p:cNvSpPr>
+          <p:nvPr>
+            <p:ph type="sldNum" sz="quarter" idx="5"/>
+          </p:nvPr>
+        </p:nvSpPr>
+        <p:spPr/>
+        <p:txBody>
+          <a:bodyPr/>
+          <a:lstStyle/>
+          <a:p>
+            <a:fld id="{FFEFE1DA-182C-43D6-B112-318C6EFD473C}" type="slidenum">
+              <a:rPr lang="en-US" smtClean="0"/>
+              <a:t>1</a:t>
+            </a:fld>
+            <a:endParaRPr lang="en-US"/>
+          </a:p>
+        </p:txBody>
+      </p:sp>
+    </p:spTree>
+    <p:extLst>
+      <p:ext uri="{BB962C8B-B14F-4D97-AF65-F5344CB8AC3E}">
+        <p14:creationId xmlns:p14="http://schemas.microsoft.com/office/powerpoint/2010/main" val="2798474045"/>
+      </p:ext>
+    </p:extLst>
+  </p:cSld>
+  <p:clrMapOvr>
+    <a:masterClrMapping/>
+  </p:clrMapOvr>
+</p:notes>
 </file>
 
 <file path=ppt/slideLayouts/slideLayout1.xml><?xml version="1.0" encoding="utf-8"?>
@@ -257,7 +733,7 @@
           <a:p>
             <a:fld id="{62442FD9-77FB-4987-9D9E-20671BE4CE2F}" type="datetimeFigureOut">
               <a:rPr lang="en-US" smtClean="0"/>
-              <a:t>11/16/2022</a:t>
+              <a:t>11/18/2022</a:t>
             </a:fld>
             <a:endParaRPr lang="en-US"/>
           </a:p>
@@ -455,7 +931,7 @@
           <a:p>
             <a:fld id="{62442FD9-77FB-4987-9D9E-20671BE4CE2F}" type="datetimeFigureOut">
               <a:rPr lang="en-US" smtClean="0"/>
-              <a:t>11/16/2022</a:t>
+              <a:t>11/18/2022</a:t>
             </a:fld>
             <a:endParaRPr lang="en-US"/>
           </a:p>
@@ -663,7 +1139,7 @@
           <a:p>
             <a:fld id="{62442FD9-77FB-4987-9D9E-20671BE4CE2F}" type="datetimeFigureOut">
               <a:rPr lang="en-US" smtClean="0"/>
-              <a:t>11/16/2022</a:t>
+              <a:t>11/18/2022</a:t>
             </a:fld>
             <a:endParaRPr lang="en-US"/>
           </a:p>
@@ -861,7 +1337,7 @@
           <a:p>
             <a:fld id="{62442FD9-77FB-4987-9D9E-20671BE4CE2F}" type="datetimeFigureOut">
               <a:rPr lang="en-US" smtClean="0"/>
-              <a:t>11/16/2022</a:t>
+              <a:t>11/18/2022</a:t>
             </a:fld>
             <a:endParaRPr lang="en-US"/>
           </a:p>
@@ -1136,7 +1612,7 @@
           <a:p>
             <a:fld id="{62442FD9-77FB-4987-9D9E-20671BE4CE2F}" type="datetimeFigureOut">
               <a:rPr lang="en-US" smtClean="0"/>
-              <a:t>11/16/2022</a:t>
+              <a:t>11/18/2022</a:t>
             </a:fld>
             <a:endParaRPr lang="en-US"/>
           </a:p>
@@ -1401,7 +1877,7 @@
           <a:p>
             <a:fld id="{62442FD9-77FB-4987-9D9E-20671BE4CE2F}" type="datetimeFigureOut">
               <a:rPr lang="en-US" smtClean="0"/>
-              <a:t>11/16/2022</a:t>
+              <a:t>11/18/2022</a:t>
             </a:fld>
             <a:endParaRPr lang="en-US"/>
           </a:p>
@@ -1813,7 +2289,7 @@
           <a:p>
             <a:fld id="{62442FD9-77FB-4987-9D9E-20671BE4CE2F}" type="datetimeFigureOut">
               <a:rPr lang="en-US" smtClean="0"/>
-              <a:t>11/16/2022</a:t>
+              <a:t>11/18/2022</a:t>
             </a:fld>
             <a:endParaRPr lang="en-US"/>
           </a:p>
@@ -1954,7 +2430,7 @@
           <a:p>
             <a:fld id="{62442FD9-77FB-4987-9D9E-20671BE4CE2F}" type="datetimeFigureOut">
               <a:rPr lang="en-US" smtClean="0"/>
-              <a:t>11/16/2022</a:t>
+              <a:t>11/18/2022</a:t>
             </a:fld>
             <a:endParaRPr lang="en-US"/>
           </a:p>
@@ -2067,7 +2543,7 @@
           <a:p>
             <a:fld id="{62442FD9-77FB-4987-9D9E-20671BE4CE2F}" type="datetimeFigureOut">
               <a:rPr lang="en-US" smtClean="0"/>
-              <a:t>11/16/2022</a:t>
+              <a:t>11/18/2022</a:t>
             </a:fld>
             <a:endParaRPr lang="en-US"/>
           </a:p>
@@ -2378,7 +2854,7 @@
           <a:p>
             <a:fld id="{62442FD9-77FB-4987-9D9E-20671BE4CE2F}" type="datetimeFigureOut">
               <a:rPr lang="en-US" smtClean="0"/>
-              <a:t>11/16/2022</a:t>
+              <a:t>11/18/2022</a:t>
             </a:fld>
             <a:endParaRPr lang="en-US"/>
           </a:p>
@@ -2666,7 +3142,7 @@
           <a:p>
             <a:fld id="{62442FD9-77FB-4987-9D9E-20671BE4CE2F}" type="datetimeFigureOut">
               <a:rPr lang="en-US" smtClean="0"/>
-              <a:t>11/16/2022</a:t>
+              <a:t>11/18/2022</a:t>
             </a:fld>
             <a:endParaRPr lang="en-US"/>
           </a:p>
@@ -2907,7 +3383,7 @@
           <a:p>
             <a:fld id="{62442FD9-77FB-4987-9D9E-20671BE4CE2F}" type="datetimeFigureOut">
               <a:rPr lang="en-US" smtClean="0"/>
-              <a:t>11/16/2022</a:t>
+              <a:t>11/18/2022</a:t>
             </a:fld>
             <a:endParaRPr lang="en-US"/>
           </a:p>
@@ -3373,7 +3849,32 @@
           <a:bodyPr/>
           <a:lstStyle/>
           <a:p>
-            <a:endParaRPr lang="en-US"/>
+            <a:r>
+              <a:rPr lang="en-US" dirty="0"/>
+              <a:t>Ref: </a:t>
+            </a:r>
+            <a:r>
+              <a:rPr lang="en-US" dirty="0">
+                <a:hlinkClick r:id="rId3"/>
+              </a:rPr>
+              <a:t>GIF: Graphics Interchange Format(</a:t>
+            </a:r>
+            <a:r>
+              <a:rPr lang="en-US" dirty="0" err="1">
+                <a:hlinkClick r:id="rId3"/>
+              </a:rPr>
+              <a:t>sm</a:t>
+            </a:r>
+            <a:r>
+              <a:rPr lang="en-US" dirty="0">
+                <a:hlinkClick r:id="rId3"/>
+              </a:rPr>
+              <a:t>) (tronche.com)</a:t>
+            </a:r>
+            <a:endParaRPr lang="en-US" dirty="0"/>
+          </a:p>
+          <a:p>
+            <a:endParaRPr lang="en-US" dirty="0"/>
           </a:p>
         </p:txBody>
       </p:sp>
@@ -3390,7 +3891,7 @@
 </p:sld>
 </file>
 
-<file path=ppt/slides/slide2.xml><?xml version="1.0" encoding="utf-8"?>
+<file path=ppt/slides/slide10.xml><?xml version="1.0" encoding="utf-8"?>
 <p:sld xmlns:a="http://schemas.openxmlformats.org/drawingml/2006/main" xmlns:r="http://schemas.openxmlformats.org/officeDocument/2006/relationships" xmlns:p="http://schemas.openxmlformats.org/presentationml/2006/main">
   <p:cSld>
     <p:spTree>
@@ -3412,7 +3913,7 @@
           <p:cNvPr id="2" name="Title 1">
             <a:extLst>
               <a:ext uri="{FF2B5EF4-FFF2-40B4-BE49-F238E27FC236}">
-                <a16:creationId xmlns:a16="http://schemas.microsoft.com/office/drawing/2014/main" id="{7A43C626-3FE7-35AC-3019-E57B06DADB4B}"/>
+                <a16:creationId xmlns:a16="http://schemas.microsoft.com/office/drawing/2014/main" id="{2347CB80-3CE6-6425-E2F5-652FEECD0FD7}"/>
               </a:ext>
             </a:extLst>
           </p:cNvPr>
@@ -3428,73 +3929,85 @@
           <a:bodyPr/>
           <a:lstStyle/>
           <a:p>
-            <a:endParaRPr lang="en-US" dirty="0"/>
-          </a:p>
-        </p:txBody>
-      </p:sp>
-      <p:sp>
-        <p:nvSpPr>
-          <p:cNvPr id="3" name="Content Placeholder 2">
-            <a:extLst>
-              <a:ext uri="{FF2B5EF4-FFF2-40B4-BE49-F238E27FC236}">
-                <a16:creationId xmlns:a16="http://schemas.microsoft.com/office/drawing/2014/main" id="{F33CD150-20C7-9E32-9378-BA25864B6BE0}"/>
-              </a:ext>
-            </a:extLst>
-          </p:cNvPr>
-          <p:cNvSpPr>
-            <a:spLocks noGrp="1"/>
-          </p:cNvSpPr>
+            <a:r>
+              <a:rPr lang="en-US" dirty="0" err="1"/>
+              <a:t>processFrame</a:t>
+            </a:r>
+            <a:r>
+              <a:rPr lang="en-US" dirty="0"/>
+              <a:t>(frame)</a:t>
+            </a:r>
+          </a:p>
+        </p:txBody>
+      </p:sp>
+      <p:pic>
+        <p:nvPicPr>
+          <p:cNvPr id="5" name="Content Placeholder 4">
+            <a:extLst>
+              <a:ext uri="{FF2B5EF4-FFF2-40B4-BE49-F238E27FC236}">
+                <a16:creationId xmlns:a16="http://schemas.microsoft.com/office/drawing/2014/main" id="{80AC84C0-13C2-AD3B-417B-19F4F84E4B8F}"/>
+              </a:ext>
+            </a:extLst>
+          </p:cNvPr>
+          <p:cNvPicPr>
+            <a:picLocks noGrp="1" noChangeAspect="1"/>
+          </p:cNvPicPr>
           <p:nvPr>
             <p:ph idx="1"/>
           </p:nvPr>
-        </p:nvSpPr>
-        <p:spPr/>
-        <p:txBody>
-          <a:bodyPr/>
+        </p:nvPicPr>
+        <p:blipFill>
+          <a:blip r:embed="rId2"/>
+          <a:stretch>
+            <a:fillRect/>
+          </a:stretch>
+        </p:blipFill>
+        <p:spPr>
+          <a:xfrm>
+            <a:off x="5611071" y="1825625"/>
+            <a:ext cx="5742729" cy="4351338"/>
+          </a:xfrm>
+        </p:spPr>
+      </p:pic>
+      <p:sp>
+        <p:nvSpPr>
+          <p:cNvPr id="6" name="TextBox 5">
+            <a:extLst>
+              <a:ext uri="{FF2B5EF4-FFF2-40B4-BE49-F238E27FC236}">
+                <a16:creationId xmlns:a16="http://schemas.microsoft.com/office/drawing/2014/main" id="{F147D620-E50A-2B0B-5630-C29C9E337238}"/>
+              </a:ext>
+            </a:extLst>
+          </p:cNvPr>
+          <p:cNvSpPr txBox="1"/>
+          <p:nvPr/>
+        </p:nvSpPr>
+        <p:spPr>
+          <a:xfrm>
+            <a:off x="838200" y="1825625"/>
+            <a:ext cx="2926080" cy="369332"/>
+          </a:xfrm>
+          <a:prstGeom prst="rect">
+            <a:avLst/>
+          </a:prstGeom>
+          <a:noFill/>
+        </p:spPr>
+        <p:txBody>
+          <a:bodyPr wrap="square" rtlCol="0">
+            <a:spAutoFit/>
+          </a:bodyPr>
           <a:lstStyle/>
           <a:p>
             <a:r>
               <a:rPr lang="en-US" dirty="0" err="1"/>
-              <a:t>dataLoaded</a:t>
+              <a:t>pDat</a:t>
             </a:r>
             <a:r>
               <a:rPr lang="en-US" dirty="0"/>
-              <a:t>() </a:t>
-            </a:r>
-            <a:r>
-              <a:rPr lang="zh-CN" altLang="en-US" dirty="0"/>
-              <a:t>读入数据</a:t>
-            </a:r>
-            <a:endParaRPr lang="en-US" altLang="zh-CN" dirty="0"/>
-          </a:p>
-          <a:p>
-            <a:r>
-              <a:rPr lang="en-US" dirty="0"/>
-              <a:t>Parse()</a:t>
-            </a:r>
-            <a:r>
-              <a:rPr lang="zh-CN" altLang="en-US" dirty="0"/>
-              <a:t> 从第六位开始解析：宽</a:t>
-            </a:r>
-            <a:r>
-              <a:rPr lang="en-US" altLang="zh-CN" dirty="0"/>
-              <a:t>2</a:t>
-            </a:r>
-            <a:r>
-              <a:rPr lang="zh-CN" altLang="en-US" dirty="0"/>
-              <a:t>，高</a:t>
-            </a:r>
-            <a:r>
-              <a:rPr lang="en-US" altLang="zh-CN" dirty="0"/>
-              <a:t>2</a:t>
-            </a:r>
-            <a:r>
-              <a:rPr lang="zh-CN" altLang="en-US" dirty="0"/>
-              <a:t>，颜色列表相关</a:t>
-            </a:r>
-            <a:r>
-              <a:rPr lang="en-US" altLang="zh-CN" dirty="0"/>
-              <a:t>8</a:t>
+              <a:t> = </a:t>
+            </a:r>
+            <a:r>
+              <a:rPr lang="en-US" dirty="0" err="1"/>
+              <a:t>pixelBuf</a:t>
             </a:r>
             <a:endParaRPr lang="en-US" dirty="0"/>
           </a:p>
@@ -3503,7 +4016,7 @@
     </p:spTree>
     <p:extLst>
       <p:ext uri="{BB962C8B-B14F-4D97-AF65-F5344CB8AC3E}">
-        <p14:creationId xmlns:p14="http://schemas.microsoft.com/office/powerpoint/2010/main" val="2847195751"/>
+        <p14:creationId xmlns:p14="http://schemas.microsoft.com/office/powerpoint/2010/main" val="2536081575"/>
       </p:ext>
     </p:extLst>
   </p:cSld>
@@ -3513,7 +4026,7 @@
 </p:sld>
 </file>
 
-<file path=ppt/slides/slide3.xml><?xml version="1.0" encoding="utf-8"?>
+<file path=ppt/slides/slide11.xml><?xml version="1.0" encoding="utf-8"?>
 <p:sld xmlns:a="http://schemas.openxmlformats.org/drawingml/2006/main" xmlns:r="http://schemas.openxmlformats.org/officeDocument/2006/relationships" xmlns:p="http://schemas.openxmlformats.org/presentationml/2006/main">
   <p:cSld>
     <p:spTree>
@@ -3637,6 +4150,875 @@
 </p:sld>
 </file>
 
+<file path=ppt/slides/slide12.xml><?xml version="1.0" encoding="utf-8"?>
+<p:sld xmlns:a="http://schemas.openxmlformats.org/drawingml/2006/main" xmlns:r="http://schemas.openxmlformats.org/officeDocument/2006/relationships" xmlns:p="http://schemas.openxmlformats.org/presentationml/2006/main">
+  <p:cSld>
+    <p:spTree>
+      <p:nvGrpSpPr>
+        <p:cNvPr id="1" name=""/>
+        <p:cNvGrpSpPr/>
+        <p:nvPr/>
+      </p:nvGrpSpPr>
+      <p:grpSpPr>
+        <a:xfrm>
+          <a:off x="0" y="0"/>
+          <a:ext cx="0" cy="0"/>
+          <a:chOff x="0" y="0"/>
+          <a:chExt cx="0" cy="0"/>
+        </a:xfrm>
+      </p:grpSpPr>
+      <p:sp>
+        <p:nvSpPr>
+          <p:cNvPr id="2" name="Title 1">
+            <a:extLst>
+              <a:ext uri="{FF2B5EF4-FFF2-40B4-BE49-F238E27FC236}">
+                <a16:creationId xmlns:a16="http://schemas.microsoft.com/office/drawing/2014/main" id="{3DD5B36F-7800-5550-F198-4EC3E8A43E3C}"/>
+              </a:ext>
+            </a:extLst>
+          </p:cNvPr>
+          <p:cNvSpPr>
+            <a:spLocks noGrp="1"/>
+          </p:cNvSpPr>
+          <p:nvPr>
+            <p:ph type="title"/>
+          </p:nvPr>
+        </p:nvSpPr>
+        <p:spPr/>
+        <p:txBody>
+          <a:bodyPr/>
+          <a:lstStyle/>
+          <a:p>
+            <a:r>
+              <a:rPr lang="en-US" dirty="0"/>
+              <a:t>Interlace</a:t>
+            </a:r>
+          </a:p>
+        </p:txBody>
+      </p:sp>
+      <p:sp>
+        <p:nvSpPr>
+          <p:cNvPr id="3" name="Content Placeholder 2">
+            <a:extLst>
+              <a:ext uri="{FF2B5EF4-FFF2-40B4-BE49-F238E27FC236}">
+                <a16:creationId xmlns:a16="http://schemas.microsoft.com/office/drawing/2014/main" id="{93268CFC-71D2-2112-CD3F-3B6AB6BDF458}"/>
+              </a:ext>
+            </a:extLst>
+          </p:cNvPr>
+          <p:cNvSpPr>
+            <a:spLocks noGrp="1"/>
+          </p:cNvSpPr>
+          <p:nvPr>
+            <p:ph idx="1"/>
+          </p:nvPr>
+        </p:nvSpPr>
+        <p:spPr/>
+        <p:txBody>
+          <a:bodyPr/>
+          <a:lstStyle/>
+          <a:p>
+            <a:r>
+              <a:rPr lang="en-US" dirty="0">
+                <a:hlinkClick r:id="rId2"/>
+              </a:rPr>
+              <a:t>Interlaced GIFs (uwaterloo.ca)</a:t>
+            </a:r>
+            <a:endParaRPr lang="en-US" dirty="0"/>
+          </a:p>
+        </p:txBody>
+      </p:sp>
+    </p:spTree>
+    <p:extLst>
+      <p:ext uri="{BB962C8B-B14F-4D97-AF65-F5344CB8AC3E}">
+        <p14:creationId xmlns:p14="http://schemas.microsoft.com/office/powerpoint/2010/main" val="248180249"/>
+      </p:ext>
+    </p:extLst>
+  </p:cSld>
+  <p:clrMapOvr>
+    <a:masterClrMapping/>
+  </p:clrMapOvr>
+</p:sld>
+</file>
+
+<file path=ppt/slides/slide13.xml><?xml version="1.0" encoding="utf-8"?>
+<p:sld xmlns:a="http://schemas.openxmlformats.org/drawingml/2006/main" xmlns:r="http://schemas.openxmlformats.org/officeDocument/2006/relationships" xmlns:p="http://schemas.openxmlformats.org/presentationml/2006/main">
+  <p:cSld>
+    <p:spTree>
+      <p:nvGrpSpPr>
+        <p:cNvPr id="1" name=""/>
+        <p:cNvGrpSpPr/>
+        <p:nvPr/>
+      </p:nvGrpSpPr>
+      <p:grpSpPr>
+        <a:xfrm>
+          <a:off x="0" y="0"/>
+          <a:ext cx="0" cy="0"/>
+          <a:chOff x="0" y="0"/>
+          <a:chExt cx="0" cy="0"/>
+        </a:xfrm>
+      </p:grpSpPr>
+      <p:sp>
+        <p:nvSpPr>
+          <p:cNvPr id="2" name="Title 1">
+            <a:extLst>
+              <a:ext uri="{FF2B5EF4-FFF2-40B4-BE49-F238E27FC236}">
+                <a16:creationId xmlns:a16="http://schemas.microsoft.com/office/drawing/2014/main" id="{1683B8D7-4643-3D79-C1BE-739AFCAE4971}"/>
+              </a:ext>
+            </a:extLst>
+          </p:cNvPr>
+          <p:cNvSpPr>
+            <a:spLocks noGrp="1"/>
+          </p:cNvSpPr>
+          <p:nvPr>
+            <p:ph type="title"/>
+          </p:nvPr>
+        </p:nvSpPr>
+        <p:spPr/>
+        <p:txBody>
+          <a:bodyPr/>
+          <a:lstStyle/>
+          <a:p>
+            <a:r>
+              <a:rPr lang="en-US" dirty="0" err="1"/>
+              <a:t>lzwDecode</a:t>
+            </a:r>
+            <a:endParaRPr lang="en-US" dirty="0"/>
+          </a:p>
+        </p:txBody>
+      </p:sp>
+      <p:sp>
+        <p:nvSpPr>
+          <p:cNvPr id="3" name="Content Placeholder 2">
+            <a:extLst>
+              <a:ext uri="{FF2B5EF4-FFF2-40B4-BE49-F238E27FC236}">
+                <a16:creationId xmlns:a16="http://schemas.microsoft.com/office/drawing/2014/main" id="{DA926A95-8D6E-7E99-14A7-FA7FA3C91B53}"/>
+              </a:ext>
+            </a:extLst>
+          </p:cNvPr>
+          <p:cNvSpPr>
+            <a:spLocks noGrp="1"/>
+          </p:cNvSpPr>
+          <p:nvPr>
+            <p:ph idx="1"/>
+          </p:nvPr>
+        </p:nvSpPr>
+        <p:spPr/>
+        <p:txBody>
+          <a:bodyPr/>
+          <a:lstStyle/>
+          <a:p>
+            <a:r>
+              <a:rPr lang="en-US" dirty="0">
+                <a:hlinkClick r:id="rId2"/>
+              </a:rPr>
+              <a:t>GIF </a:t>
+            </a:r>
+            <a:r>
+              <a:rPr lang="zh-CN" altLang="en-US" dirty="0">
+                <a:hlinkClick r:id="rId2"/>
+              </a:rPr>
+              <a:t>格式及</a:t>
+            </a:r>
+            <a:r>
+              <a:rPr lang="en-US" dirty="0">
+                <a:hlinkClick r:id="rId2"/>
+              </a:rPr>
+              <a:t>LZW</a:t>
+            </a:r>
+            <a:r>
+              <a:rPr lang="zh-CN" altLang="en-US" dirty="0">
+                <a:hlinkClick r:id="rId2"/>
+              </a:rPr>
+              <a:t>算法浅析 </a:t>
+            </a:r>
+            <a:r>
+              <a:rPr lang="en-US" altLang="zh-CN" dirty="0">
+                <a:hlinkClick r:id="rId2"/>
+              </a:rPr>
+              <a:t>| </a:t>
+            </a:r>
+            <a:r>
+              <a:rPr lang="en-US" dirty="0" err="1">
+                <a:hlinkClick r:id="rId2"/>
+              </a:rPr>
+              <a:t>LimboNova</a:t>
+            </a:r>
+            <a:endParaRPr lang="en-US" dirty="0"/>
+          </a:p>
+          <a:p>
+            <a:r>
+              <a:rPr lang="en-US" altLang="zh-CN" dirty="0">
+                <a:hlinkClick r:id="rId3"/>
+              </a:rPr>
+              <a:t>LZW</a:t>
+            </a:r>
+            <a:r>
+              <a:rPr lang="zh-CN" altLang="en-US" dirty="0">
+                <a:hlinkClick r:id="rId3"/>
+              </a:rPr>
+              <a:t>压缩算法原理解析</a:t>
+            </a:r>
+            <a:r>
+              <a:rPr lang="en-US" altLang="zh-CN" dirty="0">
+                <a:hlinkClick r:id="rId3"/>
+              </a:rPr>
+              <a:t>_</a:t>
+            </a:r>
+            <a:r>
+              <a:rPr lang="zh-CN" altLang="en-US" dirty="0">
+                <a:hlinkClick r:id="rId3"/>
+              </a:rPr>
+              <a:t>个人文章 </a:t>
+            </a:r>
+            <a:r>
+              <a:rPr lang="en-US" altLang="zh-CN" dirty="0">
+                <a:hlinkClick r:id="rId3"/>
+              </a:rPr>
+              <a:t>- </a:t>
+            </a:r>
+            <a:r>
+              <a:rPr lang="en-US" altLang="zh-CN" dirty="0" err="1">
+                <a:hlinkClick r:id="rId3"/>
+              </a:rPr>
+              <a:t>SegmentFault</a:t>
+            </a:r>
+            <a:r>
+              <a:rPr lang="en-US" altLang="zh-CN" dirty="0">
+                <a:hlinkClick r:id="rId3"/>
+              </a:rPr>
+              <a:t> </a:t>
+            </a:r>
+            <a:r>
+              <a:rPr lang="zh-CN" altLang="en-US">
+                <a:hlinkClick r:id="rId3"/>
+              </a:rPr>
+              <a:t>思否</a:t>
+            </a:r>
+            <a:endParaRPr lang="en-US" dirty="0"/>
+          </a:p>
+        </p:txBody>
+      </p:sp>
+    </p:spTree>
+    <p:extLst>
+      <p:ext uri="{BB962C8B-B14F-4D97-AF65-F5344CB8AC3E}">
+        <p14:creationId xmlns:p14="http://schemas.microsoft.com/office/powerpoint/2010/main" val="1605729719"/>
+      </p:ext>
+    </p:extLst>
+  </p:cSld>
+  <p:clrMapOvr>
+    <a:masterClrMapping/>
+  </p:clrMapOvr>
+</p:sld>
+</file>
+
+<file path=ppt/slides/slide14.xml><?xml version="1.0" encoding="utf-8"?>
+<p:sld xmlns:a="http://schemas.openxmlformats.org/drawingml/2006/main" xmlns:r="http://schemas.openxmlformats.org/officeDocument/2006/relationships" xmlns:p="http://schemas.openxmlformats.org/presentationml/2006/main">
+  <p:cSld>
+    <p:spTree>
+      <p:nvGrpSpPr>
+        <p:cNvPr id="1" name=""/>
+        <p:cNvGrpSpPr/>
+        <p:nvPr/>
+      </p:nvGrpSpPr>
+      <p:grpSpPr>
+        <a:xfrm>
+          <a:off x="0" y="0"/>
+          <a:ext cx="0" cy="0"/>
+          <a:chOff x="0" y="0"/>
+          <a:chExt cx="0" cy="0"/>
+        </a:xfrm>
+      </p:grpSpPr>
+      <p:sp>
+        <p:nvSpPr>
+          <p:cNvPr id="2" name="Title 1">
+            <a:extLst>
+              <a:ext uri="{FF2B5EF4-FFF2-40B4-BE49-F238E27FC236}">
+                <a16:creationId xmlns:a16="http://schemas.microsoft.com/office/drawing/2014/main" id="{4E124D14-8E09-B995-75C1-1F8A76F5FF06}"/>
+              </a:ext>
+            </a:extLst>
+          </p:cNvPr>
+          <p:cNvSpPr>
+            <a:spLocks noGrp="1"/>
+          </p:cNvSpPr>
+          <p:nvPr>
+            <p:ph type="title"/>
+          </p:nvPr>
+        </p:nvSpPr>
+        <p:spPr/>
+        <p:txBody>
+          <a:bodyPr/>
+          <a:lstStyle/>
+          <a:p>
+            <a:endParaRPr lang="en-US"/>
+          </a:p>
+        </p:txBody>
+      </p:sp>
+      <p:pic>
+        <p:nvPicPr>
+          <p:cNvPr id="9" name="Content Placeholder 8">
+            <a:extLst>
+              <a:ext uri="{FF2B5EF4-FFF2-40B4-BE49-F238E27FC236}">
+                <a16:creationId xmlns:a16="http://schemas.microsoft.com/office/drawing/2014/main" id="{E620838C-6FAC-42DE-9B94-C2D4CCDAD3B6}"/>
+              </a:ext>
+            </a:extLst>
+          </p:cNvPr>
+          <p:cNvPicPr>
+            <a:picLocks noGrp="1" noChangeAspect="1"/>
+          </p:cNvPicPr>
+          <p:nvPr>
+            <p:ph idx="1"/>
+          </p:nvPr>
+        </p:nvPicPr>
+        <p:blipFill>
+          <a:blip r:embed="rId2"/>
+          <a:stretch>
+            <a:fillRect/>
+          </a:stretch>
+        </p:blipFill>
+        <p:spPr>
+          <a:xfrm>
+            <a:off x="904150" y="1905501"/>
+            <a:ext cx="10383699" cy="4191585"/>
+          </a:xfrm>
+        </p:spPr>
+      </p:pic>
+    </p:spTree>
+    <p:extLst>
+      <p:ext uri="{BB962C8B-B14F-4D97-AF65-F5344CB8AC3E}">
+        <p14:creationId xmlns:p14="http://schemas.microsoft.com/office/powerpoint/2010/main" val="989362814"/>
+      </p:ext>
+    </p:extLst>
+  </p:cSld>
+  <p:clrMapOvr>
+    <a:masterClrMapping/>
+  </p:clrMapOvr>
+</p:sld>
+</file>
+
+<file path=ppt/slides/slide2.xml><?xml version="1.0" encoding="utf-8"?>
+<p:sld xmlns:a="http://schemas.openxmlformats.org/drawingml/2006/main" xmlns:r="http://schemas.openxmlformats.org/officeDocument/2006/relationships" xmlns:p="http://schemas.openxmlformats.org/presentationml/2006/main">
+  <p:cSld>
+    <p:spTree>
+      <p:nvGrpSpPr>
+        <p:cNvPr id="1" name=""/>
+        <p:cNvGrpSpPr/>
+        <p:nvPr/>
+      </p:nvGrpSpPr>
+      <p:grpSpPr>
+        <a:xfrm>
+          <a:off x="0" y="0"/>
+          <a:ext cx="0" cy="0"/>
+          <a:chOff x="0" y="0"/>
+          <a:chExt cx="0" cy="0"/>
+        </a:xfrm>
+      </p:grpSpPr>
+      <p:sp>
+        <p:nvSpPr>
+          <p:cNvPr id="2" name="Title 1">
+            <a:extLst>
+              <a:ext uri="{FF2B5EF4-FFF2-40B4-BE49-F238E27FC236}">
+                <a16:creationId xmlns:a16="http://schemas.microsoft.com/office/drawing/2014/main" id="{7A43C626-3FE7-35AC-3019-E57B06DADB4B}"/>
+              </a:ext>
+            </a:extLst>
+          </p:cNvPr>
+          <p:cNvSpPr>
+            <a:spLocks noGrp="1"/>
+          </p:cNvSpPr>
+          <p:nvPr>
+            <p:ph type="title"/>
+          </p:nvPr>
+        </p:nvSpPr>
+        <p:spPr/>
+        <p:txBody>
+          <a:bodyPr/>
+          <a:lstStyle/>
+          <a:p>
+            <a:r>
+              <a:rPr lang="en-US" dirty="0"/>
+              <a:t>Starting point</a:t>
+            </a:r>
+          </a:p>
+        </p:txBody>
+      </p:sp>
+      <p:sp>
+        <p:nvSpPr>
+          <p:cNvPr id="3" name="Content Placeholder 2">
+            <a:extLst>
+              <a:ext uri="{FF2B5EF4-FFF2-40B4-BE49-F238E27FC236}">
+                <a16:creationId xmlns:a16="http://schemas.microsoft.com/office/drawing/2014/main" id="{F33CD150-20C7-9E32-9378-BA25864B6BE0}"/>
+              </a:ext>
+            </a:extLst>
+          </p:cNvPr>
+          <p:cNvSpPr>
+            <a:spLocks noGrp="1"/>
+          </p:cNvSpPr>
+          <p:nvPr>
+            <p:ph idx="1"/>
+          </p:nvPr>
+        </p:nvSpPr>
+        <p:spPr>
+          <a:xfrm>
+            <a:off x="838200" y="1825625"/>
+            <a:ext cx="4215938" cy="4351338"/>
+          </a:xfrm>
+        </p:spPr>
+        <p:txBody>
+          <a:bodyPr/>
+          <a:lstStyle/>
+          <a:p>
+            <a:r>
+              <a:rPr lang="en-US" dirty="0" err="1"/>
+              <a:t>dataLoaded</a:t>
+            </a:r>
+            <a:r>
+              <a:rPr lang="en-US" dirty="0"/>
+              <a:t>() </a:t>
+            </a:r>
+            <a:r>
+              <a:rPr lang="zh-CN" altLang="en-US" dirty="0"/>
+              <a:t>读入数据</a:t>
+            </a:r>
+            <a:endParaRPr lang="en-US" altLang="zh-CN" dirty="0"/>
+          </a:p>
+          <a:p>
+            <a:r>
+              <a:rPr lang="en-US" dirty="0"/>
+              <a:t>Parse() </a:t>
+            </a:r>
+            <a:r>
+              <a:rPr lang="zh-CN" altLang="en-US" dirty="0"/>
+              <a:t>解析</a:t>
+            </a:r>
+            <a:r>
+              <a:rPr lang="en-US" altLang="zh-CN" dirty="0"/>
+              <a:t>header</a:t>
+            </a:r>
+          </a:p>
+          <a:p>
+            <a:r>
+              <a:rPr lang="en-US" dirty="0" err="1"/>
+              <a:t>parseColourTable</a:t>
+            </a:r>
+            <a:r>
+              <a:rPr lang="en-US" dirty="0"/>
+              <a:t>() </a:t>
+            </a:r>
+            <a:r>
+              <a:rPr lang="zh-CN" altLang="en-US" dirty="0"/>
+              <a:t>解析</a:t>
+            </a:r>
+            <a:r>
+              <a:rPr lang="en-US" altLang="zh-CN" dirty="0" err="1"/>
+              <a:t>globalColourTable</a:t>
+            </a:r>
+            <a:endParaRPr lang="en-US" altLang="zh-CN" dirty="0"/>
+          </a:p>
+          <a:p>
+            <a:r>
+              <a:rPr lang="en-US" dirty="0" err="1">
+                <a:hlinkClick r:id="rId2" action="ppaction://hlinksldjump"/>
+              </a:rPr>
+              <a:t>parseBlock</a:t>
+            </a:r>
+            <a:r>
+              <a:rPr lang="en-US" dirty="0">
+                <a:hlinkClick r:id="rId2" action="ppaction://hlinksldjump"/>
+              </a:rPr>
+              <a:t>()</a:t>
+            </a:r>
+            <a:r>
+              <a:rPr lang="zh-CN" altLang="en-US" dirty="0">
+                <a:hlinkClick r:id="rId2" action="ppaction://hlinksldjump"/>
+              </a:rPr>
+              <a:t> </a:t>
+            </a:r>
+            <a:r>
+              <a:rPr lang="zh-CN" altLang="en-US" dirty="0"/>
+              <a:t>根据</a:t>
+            </a:r>
+            <a:r>
+              <a:rPr lang="en-US" altLang="zh-CN" dirty="0" err="1"/>
+              <a:t>blockID</a:t>
+            </a:r>
+            <a:r>
+              <a:rPr lang="en-US" altLang="zh-CN" dirty="0"/>
+              <a:t> </a:t>
+            </a:r>
+            <a:r>
+              <a:rPr lang="zh-CN" altLang="en-US" dirty="0"/>
+              <a:t>判断下一个</a:t>
+            </a:r>
+            <a:r>
+              <a:rPr lang="en-US" altLang="zh-CN" dirty="0"/>
+              <a:t>block</a:t>
+            </a:r>
+            <a:r>
+              <a:rPr lang="zh-CN" altLang="en-US" dirty="0"/>
+              <a:t>是什么</a:t>
+            </a:r>
+            <a:endParaRPr lang="en-US" altLang="zh-CN" dirty="0"/>
+          </a:p>
+          <a:p>
+            <a:endParaRPr lang="en-US" dirty="0"/>
+          </a:p>
+        </p:txBody>
+      </p:sp>
+      <p:pic>
+        <p:nvPicPr>
+          <p:cNvPr id="4" name="Content Placeholder 4">
+            <a:extLst>
+              <a:ext uri="{FF2B5EF4-FFF2-40B4-BE49-F238E27FC236}">
+                <a16:creationId xmlns:a16="http://schemas.microsoft.com/office/drawing/2014/main" id="{B0F5CC63-2477-4F7E-4346-8FCE3C05C367}"/>
+              </a:ext>
+            </a:extLst>
+          </p:cNvPr>
+          <p:cNvPicPr>
+            <a:picLocks noChangeAspect="1"/>
+          </p:cNvPicPr>
+          <p:nvPr/>
+        </p:nvPicPr>
+        <p:blipFill>
+          <a:blip r:embed="rId3"/>
+          <a:stretch>
+            <a:fillRect/>
+          </a:stretch>
+        </p:blipFill>
+        <p:spPr>
+          <a:xfrm>
+            <a:off x="7998625" y="528839"/>
+            <a:ext cx="1752845" cy="1905266"/>
+          </a:xfrm>
+          <a:prstGeom prst="rect">
+            <a:avLst/>
+          </a:prstGeom>
+        </p:spPr>
+      </p:pic>
+      <p:pic>
+        <p:nvPicPr>
+          <p:cNvPr id="5" name="Picture 4">
+            <a:extLst>
+              <a:ext uri="{FF2B5EF4-FFF2-40B4-BE49-F238E27FC236}">
+                <a16:creationId xmlns:a16="http://schemas.microsoft.com/office/drawing/2014/main" id="{AB2AB2D3-8165-0E7B-DD26-17C62BA26F0A}"/>
+              </a:ext>
+            </a:extLst>
+          </p:cNvPr>
+          <p:cNvPicPr>
+            <a:picLocks noChangeAspect="1"/>
+          </p:cNvPicPr>
+          <p:nvPr/>
+        </p:nvPicPr>
+        <p:blipFill>
+          <a:blip r:embed="rId4"/>
+          <a:stretch>
+            <a:fillRect/>
+          </a:stretch>
+        </p:blipFill>
+        <p:spPr>
+          <a:xfrm>
+            <a:off x="10014972" y="528839"/>
+            <a:ext cx="1565822" cy="1905266"/>
+          </a:xfrm>
+          <a:prstGeom prst="rect">
+            <a:avLst/>
+          </a:prstGeom>
+        </p:spPr>
+      </p:pic>
+      <p:pic>
+        <p:nvPicPr>
+          <p:cNvPr id="7" name="Picture 6">
+            <a:extLst>
+              <a:ext uri="{FF2B5EF4-FFF2-40B4-BE49-F238E27FC236}">
+                <a16:creationId xmlns:a16="http://schemas.microsoft.com/office/drawing/2014/main" id="{D91F61D4-876F-E631-5965-C3D8D668FCCA}"/>
+              </a:ext>
+            </a:extLst>
+          </p:cNvPr>
+          <p:cNvPicPr>
+            <a:picLocks noChangeAspect="1"/>
+          </p:cNvPicPr>
+          <p:nvPr/>
+        </p:nvPicPr>
+        <p:blipFill>
+          <a:blip r:embed="rId5"/>
+          <a:stretch>
+            <a:fillRect/>
+          </a:stretch>
+        </p:blipFill>
+        <p:spPr>
+          <a:xfrm>
+            <a:off x="6252556" y="2694076"/>
+            <a:ext cx="5101244" cy="3482887"/>
+          </a:xfrm>
+          <a:prstGeom prst="rect">
+            <a:avLst/>
+          </a:prstGeom>
+        </p:spPr>
+      </p:pic>
+    </p:spTree>
+    <p:extLst>
+      <p:ext uri="{BB962C8B-B14F-4D97-AF65-F5344CB8AC3E}">
+        <p14:creationId xmlns:p14="http://schemas.microsoft.com/office/powerpoint/2010/main" val="2847195751"/>
+      </p:ext>
+    </p:extLst>
+  </p:cSld>
+  <p:clrMapOvr>
+    <a:masterClrMapping/>
+  </p:clrMapOvr>
+</p:sld>
+</file>
+
+<file path=ppt/slides/slide3.xml><?xml version="1.0" encoding="utf-8"?>
+<p:sld xmlns:a="http://schemas.openxmlformats.org/drawingml/2006/main" xmlns:r="http://schemas.openxmlformats.org/officeDocument/2006/relationships" xmlns:p="http://schemas.openxmlformats.org/presentationml/2006/main">
+  <p:cSld>
+    <p:spTree>
+      <p:nvGrpSpPr>
+        <p:cNvPr id="1" name=""/>
+        <p:cNvGrpSpPr/>
+        <p:nvPr/>
+      </p:nvGrpSpPr>
+      <p:grpSpPr>
+        <a:xfrm>
+          <a:off x="0" y="0"/>
+          <a:ext cx="0" cy="0"/>
+          <a:chOff x="0" y="0"/>
+          <a:chExt cx="0" cy="0"/>
+        </a:xfrm>
+      </p:grpSpPr>
+      <p:sp>
+        <p:nvSpPr>
+          <p:cNvPr id="2" name="Title 1">
+            <a:extLst>
+              <a:ext uri="{FF2B5EF4-FFF2-40B4-BE49-F238E27FC236}">
+                <a16:creationId xmlns:a16="http://schemas.microsoft.com/office/drawing/2014/main" id="{FFD76C27-07DE-AD0F-C409-E5B0813A7EAC}"/>
+              </a:ext>
+            </a:extLst>
+          </p:cNvPr>
+          <p:cNvSpPr>
+            <a:spLocks noGrp="1"/>
+          </p:cNvSpPr>
+          <p:nvPr>
+            <p:ph type="title"/>
+          </p:nvPr>
+        </p:nvSpPr>
+        <p:spPr/>
+        <p:txBody>
+          <a:bodyPr/>
+          <a:lstStyle/>
+          <a:p>
+            <a:r>
+              <a:rPr lang="en-US" dirty="0" err="1"/>
+              <a:t>parseBlock</a:t>
+            </a:r>
+            <a:r>
+              <a:rPr lang="en-US" dirty="0"/>
+              <a:t>()</a:t>
+            </a:r>
+          </a:p>
+        </p:txBody>
+      </p:sp>
+      <p:sp>
+        <p:nvSpPr>
+          <p:cNvPr id="3" name="Content Placeholder 2">
+            <a:extLst>
+              <a:ext uri="{FF2B5EF4-FFF2-40B4-BE49-F238E27FC236}">
+                <a16:creationId xmlns:a16="http://schemas.microsoft.com/office/drawing/2014/main" id="{7BC7BC69-39C1-5FAF-026C-4B3CC95635C9}"/>
+              </a:ext>
+            </a:extLst>
+          </p:cNvPr>
+          <p:cNvSpPr>
+            <a:spLocks noGrp="1"/>
+          </p:cNvSpPr>
+          <p:nvPr>
+            <p:ph idx="1"/>
+          </p:nvPr>
+        </p:nvSpPr>
+        <p:spPr/>
+        <p:txBody>
+          <a:bodyPr/>
+          <a:lstStyle/>
+          <a:p>
+            <a:r>
+              <a:rPr lang="zh-CN" altLang="en-US" dirty="0"/>
+              <a:t>根据</a:t>
+            </a:r>
+            <a:r>
+              <a:rPr lang="en-US" altLang="zh-CN" dirty="0" err="1"/>
+              <a:t>blockID</a:t>
+            </a:r>
+            <a:r>
+              <a:rPr lang="en-US" altLang="zh-CN" dirty="0"/>
+              <a:t> </a:t>
+            </a:r>
+            <a:r>
+              <a:rPr lang="zh-CN" altLang="en-US" dirty="0"/>
+              <a:t>判断下一个</a:t>
+            </a:r>
+            <a:r>
+              <a:rPr lang="en-US" altLang="zh-CN" dirty="0"/>
+              <a:t>block</a:t>
+            </a:r>
+            <a:r>
+              <a:rPr lang="zh-CN" altLang="en-US" dirty="0"/>
+              <a:t>是什么</a:t>
+            </a:r>
+            <a:endParaRPr lang="en-US" altLang="zh-CN" dirty="0"/>
+          </a:p>
+          <a:p>
+            <a:pPr lvl="1"/>
+            <a:r>
+              <a:rPr lang="en-US" altLang="zh-CN" dirty="0"/>
+              <a:t>IMG</a:t>
+            </a:r>
+            <a:r>
+              <a:rPr lang="zh-CN" altLang="en-US" dirty="0"/>
+              <a:t>标识</a:t>
+            </a:r>
+            <a:endParaRPr lang="en-US" altLang="zh-CN" dirty="0"/>
+          </a:p>
+          <a:p>
+            <a:pPr lvl="2"/>
+            <a:r>
+              <a:rPr lang="en-US" altLang="zh-CN" dirty="0" err="1">
+                <a:hlinkClick r:id="rId2" action="ppaction://hlinksldjump"/>
+              </a:rPr>
+              <a:t>parseImg</a:t>
+            </a:r>
+            <a:r>
+              <a:rPr lang="en-US" altLang="zh-CN" dirty="0">
+                <a:hlinkClick r:id="rId2" action="ppaction://hlinksldjump"/>
+              </a:rPr>
+              <a:t>()</a:t>
+            </a:r>
+            <a:endParaRPr lang="en-US" altLang="zh-CN" dirty="0"/>
+          </a:p>
+          <a:p>
+            <a:pPr lvl="1"/>
+            <a:r>
+              <a:rPr lang="en-US" altLang="zh-CN" dirty="0"/>
+              <a:t>EOF</a:t>
+            </a:r>
+            <a:r>
+              <a:rPr lang="zh-CN" altLang="en-US" dirty="0"/>
+              <a:t>标识</a:t>
+            </a:r>
+            <a:endParaRPr lang="en-US" altLang="zh-CN" dirty="0"/>
+          </a:p>
+          <a:p>
+            <a:pPr lvl="2"/>
+            <a:r>
+              <a:rPr lang="en-US" altLang="zh-CN" dirty="0" err="1">
+                <a:hlinkClick r:id="rId3" action="ppaction://hlinksldjump"/>
+              </a:rPr>
+              <a:t>Finnished</a:t>
+            </a:r>
+            <a:r>
+              <a:rPr lang="en-US" altLang="zh-CN" dirty="0">
+                <a:hlinkClick r:id="rId3" action="ppaction://hlinksldjump"/>
+              </a:rPr>
+              <a:t>()</a:t>
+            </a:r>
+            <a:endParaRPr lang="en-US" altLang="zh-CN" dirty="0"/>
+          </a:p>
+          <a:p>
+            <a:pPr lvl="1"/>
+            <a:r>
+              <a:rPr lang="zh-CN" altLang="en-US" dirty="0"/>
+              <a:t>其他标识</a:t>
+            </a:r>
+            <a:endParaRPr lang="en-US" altLang="zh-CN" dirty="0"/>
+          </a:p>
+          <a:p>
+            <a:pPr lvl="2"/>
+            <a:r>
+              <a:rPr lang="en-US" altLang="zh-CN" dirty="0" err="1">
+                <a:hlinkClick r:id="rId4" action="ppaction://hlinksldjump"/>
+              </a:rPr>
+              <a:t>parseExt</a:t>
+            </a:r>
+            <a:r>
+              <a:rPr lang="en-US" altLang="zh-CN" dirty="0">
+                <a:hlinkClick r:id="rId4" action="ppaction://hlinksldjump"/>
+              </a:rPr>
+              <a:t>()</a:t>
+            </a:r>
+            <a:endParaRPr lang="en-US" altLang="zh-CN" dirty="0"/>
+          </a:p>
+          <a:p>
+            <a:endParaRPr lang="en-US" dirty="0"/>
+          </a:p>
+        </p:txBody>
+      </p:sp>
+      <p:pic>
+        <p:nvPicPr>
+          <p:cNvPr id="4" name="Content Placeholder 4">
+            <a:extLst>
+              <a:ext uri="{FF2B5EF4-FFF2-40B4-BE49-F238E27FC236}">
+                <a16:creationId xmlns:a16="http://schemas.microsoft.com/office/drawing/2014/main" id="{04A2C988-42B5-0A55-14A4-5B605B3F7E72}"/>
+              </a:ext>
+            </a:extLst>
+          </p:cNvPr>
+          <p:cNvPicPr>
+            <a:picLocks noChangeAspect="1"/>
+          </p:cNvPicPr>
+          <p:nvPr/>
+        </p:nvPicPr>
+        <p:blipFill>
+          <a:blip r:embed="rId5"/>
+          <a:stretch>
+            <a:fillRect/>
+          </a:stretch>
+        </p:blipFill>
+        <p:spPr>
+          <a:xfrm>
+            <a:off x="7998625" y="528839"/>
+            <a:ext cx="1752845" cy="1905266"/>
+          </a:xfrm>
+          <a:prstGeom prst="rect">
+            <a:avLst/>
+          </a:prstGeom>
+        </p:spPr>
+      </p:pic>
+      <p:pic>
+        <p:nvPicPr>
+          <p:cNvPr id="5" name="Picture 4">
+            <a:extLst>
+              <a:ext uri="{FF2B5EF4-FFF2-40B4-BE49-F238E27FC236}">
+                <a16:creationId xmlns:a16="http://schemas.microsoft.com/office/drawing/2014/main" id="{691724D4-7507-0E61-C5F3-7A954B856742}"/>
+              </a:ext>
+            </a:extLst>
+          </p:cNvPr>
+          <p:cNvPicPr>
+            <a:picLocks noChangeAspect="1"/>
+          </p:cNvPicPr>
+          <p:nvPr/>
+        </p:nvPicPr>
+        <p:blipFill>
+          <a:blip r:embed="rId6"/>
+          <a:stretch>
+            <a:fillRect/>
+          </a:stretch>
+        </p:blipFill>
+        <p:spPr>
+          <a:xfrm>
+            <a:off x="10014972" y="528839"/>
+            <a:ext cx="1565822" cy="1905266"/>
+          </a:xfrm>
+          <a:prstGeom prst="rect">
+            <a:avLst/>
+          </a:prstGeom>
+        </p:spPr>
+      </p:pic>
+    </p:spTree>
+    <p:extLst>
+      <p:ext uri="{BB962C8B-B14F-4D97-AF65-F5344CB8AC3E}">
+        <p14:creationId xmlns:p14="http://schemas.microsoft.com/office/powerpoint/2010/main" val="3651195328"/>
+      </p:ext>
+    </p:extLst>
+  </p:cSld>
+  <p:clrMapOvr>
+    <a:masterClrMapping/>
+  </p:clrMapOvr>
+</p:sld>
+</file>
+
 <file path=ppt/slides/slide4.xml><?xml version="1.0" encoding="utf-8"?>
 <p:sld xmlns:a="http://schemas.openxmlformats.org/drawingml/2006/main" xmlns:r="http://schemas.openxmlformats.org/officeDocument/2006/relationships" xmlns:p="http://schemas.openxmlformats.org/presentationml/2006/main">
   <p:cSld>
@@ -3654,12 +5036,551 @@
           <a:chExt cx="0" cy="0"/>
         </a:xfrm>
       </p:grpSpPr>
+      <p:sp>
+        <p:nvSpPr>
+          <p:cNvPr id="2" name="Title 1">
+            <a:extLst>
+              <a:ext uri="{FF2B5EF4-FFF2-40B4-BE49-F238E27FC236}">
+                <a16:creationId xmlns:a16="http://schemas.microsoft.com/office/drawing/2014/main" id="{6DD5BAC2-A2B5-A14F-E6C5-B7E7954A0731}"/>
+              </a:ext>
+            </a:extLst>
+          </p:cNvPr>
+          <p:cNvSpPr>
+            <a:spLocks noGrp="1"/>
+          </p:cNvSpPr>
+          <p:nvPr>
+            <p:ph type="title"/>
+          </p:nvPr>
+        </p:nvSpPr>
+        <p:spPr/>
+        <p:txBody>
+          <a:bodyPr/>
+          <a:lstStyle/>
+          <a:p>
+            <a:r>
+              <a:rPr lang="en-US" altLang="zh-CN" dirty="0" err="1"/>
+              <a:t>parseExt</a:t>
+            </a:r>
+            <a:r>
+              <a:rPr lang="en-US" altLang="zh-CN" dirty="0"/>
+              <a:t>()</a:t>
+            </a:r>
+            <a:endParaRPr lang="en-US" dirty="0"/>
+          </a:p>
+        </p:txBody>
+      </p:sp>
+      <p:sp>
+        <p:nvSpPr>
+          <p:cNvPr id="3" name="Content Placeholder 2">
+            <a:extLst>
+              <a:ext uri="{FF2B5EF4-FFF2-40B4-BE49-F238E27FC236}">
+                <a16:creationId xmlns:a16="http://schemas.microsoft.com/office/drawing/2014/main" id="{A196E66C-8C8A-915F-0AFE-C87BFEB8CDD3}"/>
+              </a:ext>
+            </a:extLst>
+          </p:cNvPr>
+          <p:cNvSpPr>
+            <a:spLocks noGrp="1"/>
+          </p:cNvSpPr>
+          <p:nvPr>
+            <p:ph idx="1"/>
+          </p:nvPr>
+        </p:nvSpPr>
+        <p:spPr/>
+        <p:txBody>
+          <a:bodyPr/>
+          <a:lstStyle/>
+          <a:p>
+            <a:r>
+              <a:rPr lang="zh-CN" altLang="en-US" dirty="0"/>
+              <a:t>根据</a:t>
+            </a:r>
+            <a:r>
+              <a:rPr lang="en-US" altLang="zh-CN" dirty="0" err="1"/>
+              <a:t>blockID</a:t>
+            </a:r>
+            <a:endParaRPr lang="en-US" altLang="zh-CN" dirty="0"/>
+          </a:p>
+          <a:p>
+            <a:pPr lvl="1"/>
+            <a:r>
+              <a:rPr lang="en-US" altLang="zh-CN" dirty="0" err="1"/>
+              <a:t>GCExt</a:t>
+            </a:r>
+            <a:endParaRPr lang="en-US" altLang="zh-CN" dirty="0"/>
+          </a:p>
+          <a:p>
+            <a:pPr lvl="2"/>
+            <a:r>
+              <a:rPr lang="en-US" dirty="0" err="1">
+                <a:hlinkClick r:id="rId2" action="ppaction://hlinksldjump"/>
+              </a:rPr>
+              <a:t>parseGCExt</a:t>
+            </a:r>
+            <a:r>
+              <a:rPr lang="en-US" dirty="0">
+                <a:hlinkClick r:id="rId2" action="ppaction://hlinksldjump"/>
+              </a:rPr>
+              <a:t>()</a:t>
+            </a:r>
+            <a:endParaRPr lang="en-US" dirty="0"/>
+          </a:p>
+          <a:p>
+            <a:pPr lvl="1"/>
+            <a:r>
+              <a:rPr lang="en-US" dirty="0"/>
+              <a:t>COMMENT</a:t>
+            </a:r>
+          </a:p>
+          <a:p>
+            <a:pPr lvl="2"/>
+            <a:r>
+              <a:rPr lang="en-US" dirty="0" err="1">
+                <a:hlinkClick r:id="rId3" action="ppaction://hlinksldjump"/>
+              </a:rPr>
+              <a:t>readSubBlocks</a:t>
+            </a:r>
+            <a:r>
+              <a:rPr lang="en-US" dirty="0">
+                <a:hlinkClick r:id="rId3" action="ppaction://hlinksldjump"/>
+              </a:rPr>
+              <a:t>()</a:t>
+            </a:r>
+            <a:endParaRPr lang="en-US" dirty="0"/>
+          </a:p>
+          <a:p>
+            <a:pPr lvl="2"/>
+            <a:r>
+              <a:rPr lang="zh-CN" altLang="en-US" dirty="0"/>
+              <a:t>写入 </a:t>
+            </a:r>
+            <a:r>
+              <a:rPr lang="en-US" altLang="zh-CN" dirty="0" err="1"/>
+              <a:t>gif.comment</a:t>
+            </a:r>
+            <a:endParaRPr lang="en-US" dirty="0"/>
+          </a:p>
+          <a:p>
+            <a:pPr lvl="1"/>
+            <a:r>
+              <a:rPr lang="en-US" dirty="0" err="1"/>
+              <a:t>APPExt</a:t>
+            </a:r>
+            <a:endParaRPr lang="en-US" dirty="0"/>
+          </a:p>
+          <a:p>
+            <a:pPr lvl="2"/>
+            <a:r>
+              <a:rPr lang="en-US" dirty="0" err="1">
+                <a:hlinkClick r:id="rId4" action="ppaction://hlinksldjump"/>
+              </a:rPr>
+              <a:t>parseAppExt</a:t>
+            </a:r>
+            <a:r>
+              <a:rPr lang="en-US" dirty="0">
+                <a:hlinkClick r:id="rId4" action="ppaction://hlinksldjump"/>
+              </a:rPr>
+              <a:t>()</a:t>
+            </a:r>
+            <a:endParaRPr lang="en-US" dirty="0"/>
+          </a:p>
+          <a:p>
+            <a:pPr lvl="1"/>
+            <a:r>
+              <a:rPr lang="en-US" dirty="0"/>
+              <a:t>UNKNOWN</a:t>
+            </a:r>
+          </a:p>
+          <a:p>
+            <a:pPr lvl="2"/>
+            <a:r>
+              <a:rPr lang="en-US" dirty="0" err="1"/>
+              <a:t>St.pos</a:t>
+            </a:r>
+            <a:r>
+              <a:rPr lang="en-US" dirty="0"/>
+              <a:t> += 13</a:t>
+            </a:r>
+          </a:p>
+          <a:p>
+            <a:pPr lvl="2"/>
+            <a:r>
+              <a:rPr lang="en-US" dirty="0" err="1">
+                <a:hlinkClick r:id="rId3" action="ppaction://hlinksldjump"/>
+              </a:rPr>
+              <a:t>readSubBlocks</a:t>
+            </a:r>
+            <a:r>
+              <a:rPr lang="en-US" dirty="0">
+                <a:hlinkClick r:id="rId3" action="ppaction://hlinksldjump"/>
+              </a:rPr>
+              <a:t>()</a:t>
+            </a:r>
+            <a:endParaRPr lang="en-US" dirty="0"/>
+          </a:p>
+          <a:p>
+            <a:pPr lvl="2"/>
+            <a:endParaRPr lang="en-US" dirty="0"/>
+          </a:p>
+          <a:p>
+            <a:pPr lvl="2"/>
+            <a:endParaRPr lang="en-US" dirty="0"/>
+          </a:p>
+          <a:p>
+            <a:pPr lvl="1"/>
+            <a:endParaRPr lang="en-US" dirty="0"/>
+          </a:p>
+        </p:txBody>
+      </p:sp>
       <p:pic>
         <p:nvPicPr>
-          <p:cNvPr id="5" name="Picture 4">
-            <a:extLst>
-              <a:ext uri="{FF2B5EF4-FFF2-40B4-BE49-F238E27FC236}">
-                <a16:creationId xmlns:a16="http://schemas.microsoft.com/office/drawing/2014/main" id="{E3E2C778-C472-BDC8-4A6B-42A9868E79EE}"/>
+          <p:cNvPr id="6" name="Content Placeholder 4">
+            <a:extLst>
+              <a:ext uri="{FF2B5EF4-FFF2-40B4-BE49-F238E27FC236}">
+                <a16:creationId xmlns:a16="http://schemas.microsoft.com/office/drawing/2014/main" id="{AB2F7510-8D11-C7AB-5DC2-59D3BBB4FBE9}"/>
+              </a:ext>
+            </a:extLst>
+          </p:cNvPr>
+          <p:cNvPicPr>
+            <a:picLocks noChangeAspect="1"/>
+          </p:cNvPicPr>
+          <p:nvPr/>
+        </p:nvPicPr>
+        <p:blipFill>
+          <a:blip r:embed="rId5"/>
+          <a:stretch>
+            <a:fillRect/>
+          </a:stretch>
+        </p:blipFill>
+        <p:spPr>
+          <a:xfrm>
+            <a:off x="7998625" y="528839"/>
+            <a:ext cx="1752845" cy="1905266"/>
+          </a:xfrm>
+          <a:prstGeom prst="rect">
+            <a:avLst/>
+          </a:prstGeom>
+        </p:spPr>
+      </p:pic>
+      <p:pic>
+        <p:nvPicPr>
+          <p:cNvPr id="7" name="Picture 6">
+            <a:extLst>
+              <a:ext uri="{FF2B5EF4-FFF2-40B4-BE49-F238E27FC236}">
+                <a16:creationId xmlns:a16="http://schemas.microsoft.com/office/drawing/2014/main" id="{72A95A0A-F0B6-76B8-099E-9A8D133B46C7}"/>
+              </a:ext>
+            </a:extLst>
+          </p:cNvPr>
+          <p:cNvPicPr>
+            <a:picLocks noChangeAspect="1"/>
+          </p:cNvPicPr>
+          <p:nvPr/>
+        </p:nvPicPr>
+        <p:blipFill>
+          <a:blip r:embed="rId6"/>
+          <a:stretch>
+            <a:fillRect/>
+          </a:stretch>
+        </p:blipFill>
+        <p:spPr>
+          <a:xfrm>
+            <a:off x="10014972" y="528839"/>
+            <a:ext cx="1565822" cy="1905266"/>
+          </a:xfrm>
+          <a:prstGeom prst="rect">
+            <a:avLst/>
+          </a:prstGeom>
+        </p:spPr>
+      </p:pic>
+    </p:spTree>
+    <p:extLst>
+      <p:ext uri="{BB962C8B-B14F-4D97-AF65-F5344CB8AC3E}">
+        <p14:creationId xmlns:p14="http://schemas.microsoft.com/office/powerpoint/2010/main" val="924724704"/>
+      </p:ext>
+    </p:extLst>
+  </p:cSld>
+  <p:clrMapOvr>
+    <a:masterClrMapping/>
+  </p:clrMapOvr>
+</p:sld>
+</file>
+
+<file path=ppt/slides/slide5.xml><?xml version="1.0" encoding="utf-8"?>
+<p:sld xmlns:a="http://schemas.openxmlformats.org/drawingml/2006/main" xmlns:r="http://schemas.openxmlformats.org/officeDocument/2006/relationships" xmlns:p="http://schemas.openxmlformats.org/presentationml/2006/main">
+  <p:cSld>
+    <p:spTree>
+      <p:nvGrpSpPr>
+        <p:cNvPr id="1" name=""/>
+        <p:cNvGrpSpPr/>
+        <p:nvPr/>
+      </p:nvGrpSpPr>
+      <p:grpSpPr>
+        <a:xfrm>
+          <a:off x="0" y="0"/>
+          <a:ext cx="0" cy="0"/>
+          <a:chOff x="0" y="0"/>
+          <a:chExt cx="0" cy="0"/>
+        </a:xfrm>
+      </p:grpSpPr>
+      <p:sp>
+        <p:nvSpPr>
+          <p:cNvPr id="2" name="Title 1">
+            <a:extLst>
+              <a:ext uri="{FF2B5EF4-FFF2-40B4-BE49-F238E27FC236}">
+                <a16:creationId xmlns:a16="http://schemas.microsoft.com/office/drawing/2014/main" id="{2667F712-FF54-6DC4-F1BB-D6F3A47E03E2}"/>
+              </a:ext>
+            </a:extLst>
+          </p:cNvPr>
+          <p:cNvSpPr>
+            <a:spLocks noGrp="1"/>
+          </p:cNvSpPr>
+          <p:nvPr>
+            <p:ph type="title"/>
+          </p:nvPr>
+        </p:nvSpPr>
+        <p:spPr/>
+        <p:txBody>
+          <a:bodyPr/>
+          <a:lstStyle/>
+          <a:p>
+            <a:r>
+              <a:rPr lang="en-US" dirty="0" err="1"/>
+              <a:t>parseAppExt</a:t>
+            </a:r>
+            <a:r>
+              <a:rPr lang="en-US" dirty="0"/>
+              <a:t>()</a:t>
+            </a:r>
+          </a:p>
+        </p:txBody>
+      </p:sp>
+      <p:sp>
+        <p:nvSpPr>
+          <p:cNvPr id="3" name="Content Placeholder 2">
+            <a:extLst>
+              <a:ext uri="{FF2B5EF4-FFF2-40B4-BE49-F238E27FC236}">
+                <a16:creationId xmlns:a16="http://schemas.microsoft.com/office/drawing/2014/main" id="{0CE2563C-FAD6-B21F-F3BF-7BBCA1F9CEBC}"/>
+              </a:ext>
+            </a:extLst>
+          </p:cNvPr>
+          <p:cNvSpPr>
+            <a:spLocks noGrp="1"/>
+          </p:cNvSpPr>
+          <p:nvPr>
+            <p:ph idx="1"/>
+          </p:nvPr>
+        </p:nvSpPr>
+        <p:spPr/>
+        <p:txBody>
+          <a:bodyPr/>
+          <a:lstStyle/>
+          <a:p>
+            <a:r>
+              <a:rPr lang="zh-CN" altLang="en-US" dirty="0"/>
+              <a:t>如果前</a:t>
+            </a:r>
+            <a:r>
+              <a:rPr lang="en-US" altLang="zh-CN" dirty="0"/>
+              <a:t>8</a:t>
+            </a:r>
+            <a:r>
+              <a:rPr lang="zh-CN" altLang="en-US" dirty="0"/>
+              <a:t>位解析为 </a:t>
+            </a:r>
+            <a:r>
+              <a:rPr lang="en-US" altLang="zh-CN" dirty="0"/>
+              <a:t>‘NETSCAPE’</a:t>
+            </a:r>
+          </a:p>
+          <a:p>
+            <a:pPr lvl="1"/>
+            <a:r>
+              <a:rPr lang="en-US" dirty="0" err="1"/>
+              <a:t>St.pos</a:t>
+            </a:r>
+            <a:r>
+              <a:rPr lang="zh-CN" altLang="en-US" dirty="0"/>
+              <a:t> </a:t>
+            </a:r>
+            <a:r>
+              <a:rPr lang="en-US" altLang="zh-CN" dirty="0"/>
+              <a:t>+= 8</a:t>
+            </a:r>
+          </a:p>
+          <a:p>
+            <a:r>
+              <a:rPr lang="en-US" dirty="0"/>
+              <a:t>Else</a:t>
+            </a:r>
+          </a:p>
+          <a:p>
+            <a:pPr lvl="1"/>
+            <a:r>
+              <a:rPr lang="en-US" dirty="0" err="1"/>
+              <a:t>St.pos</a:t>
+            </a:r>
+            <a:r>
+              <a:rPr lang="en-US" dirty="0"/>
+              <a:t> += 3</a:t>
+            </a:r>
+          </a:p>
+          <a:p>
+            <a:pPr lvl="1"/>
+            <a:r>
+              <a:rPr lang="en-US" dirty="0" err="1">
+                <a:hlinkClick r:id="rId2" action="ppaction://hlinksldjump"/>
+              </a:rPr>
+              <a:t>readSubBlocks</a:t>
+            </a:r>
+            <a:r>
+              <a:rPr lang="en-US" dirty="0">
+                <a:hlinkClick r:id="rId2" action="ppaction://hlinksldjump"/>
+              </a:rPr>
+              <a:t>()</a:t>
+            </a:r>
+            <a:endParaRPr lang="en-US" dirty="0"/>
+          </a:p>
+        </p:txBody>
+      </p:sp>
+    </p:spTree>
+    <p:extLst>
+      <p:ext uri="{BB962C8B-B14F-4D97-AF65-F5344CB8AC3E}">
+        <p14:creationId xmlns:p14="http://schemas.microsoft.com/office/powerpoint/2010/main" val="2897775925"/>
+      </p:ext>
+    </p:extLst>
+  </p:cSld>
+  <p:clrMapOvr>
+    <a:masterClrMapping/>
+  </p:clrMapOvr>
+</p:sld>
+</file>
+
+<file path=ppt/slides/slide6.xml><?xml version="1.0" encoding="utf-8"?>
+<p:sld xmlns:a="http://schemas.openxmlformats.org/drawingml/2006/main" xmlns:r="http://schemas.openxmlformats.org/officeDocument/2006/relationships" xmlns:p="http://schemas.openxmlformats.org/presentationml/2006/main">
+  <p:cSld>
+    <p:spTree>
+      <p:nvGrpSpPr>
+        <p:cNvPr id="1" name=""/>
+        <p:cNvGrpSpPr/>
+        <p:nvPr/>
+      </p:nvGrpSpPr>
+      <p:grpSpPr>
+        <a:xfrm>
+          <a:off x="0" y="0"/>
+          <a:ext cx="0" cy="0"/>
+          <a:chOff x="0" y="0"/>
+          <a:chExt cx="0" cy="0"/>
+        </a:xfrm>
+      </p:grpSpPr>
+      <p:sp>
+        <p:nvSpPr>
+          <p:cNvPr id="2" name="Title 1">
+            <a:extLst>
+              <a:ext uri="{FF2B5EF4-FFF2-40B4-BE49-F238E27FC236}">
+                <a16:creationId xmlns:a16="http://schemas.microsoft.com/office/drawing/2014/main" id="{18675A3D-435A-3D3B-96FB-443C6639A3DF}"/>
+              </a:ext>
+            </a:extLst>
+          </p:cNvPr>
+          <p:cNvSpPr>
+            <a:spLocks noGrp="1"/>
+          </p:cNvSpPr>
+          <p:nvPr>
+            <p:ph type="title"/>
+          </p:nvPr>
+        </p:nvSpPr>
+        <p:spPr/>
+        <p:txBody>
+          <a:bodyPr/>
+          <a:lstStyle/>
+          <a:p>
+            <a:r>
+              <a:rPr lang="en-US" altLang="zh-CN" dirty="0" err="1"/>
+              <a:t>parseGCExt</a:t>
+            </a:r>
+            <a:r>
+              <a:rPr lang="en-US" altLang="zh-CN" dirty="0"/>
+              <a:t>() Graphic Control</a:t>
+            </a:r>
+            <a:endParaRPr lang="en-US" dirty="0"/>
+          </a:p>
+        </p:txBody>
+      </p:sp>
+      <p:sp>
+        <p:nvSpPr>
+          <p:cNvPr id="3" name="Content Placeholder 2">
+            <a:extLst>
+              <a:ext uri="{FF2B5EF4-FFF2-40B4-BE49-F238E27FC236}">
+                <a16:creationId xmlns:a16="http://schemas.microsoft.com/office/drawing/2014/main" id="{359FB6F2-E68E-BEA8-72EC-B2EAB5474B38}"/>
+              </a:ext>
+            </a:extLst>
+          </p:cNvPr>
+          <p:cNvSpPr>
+            <a:spLocks noGrp="1"/>
+          </p:cNvSpPr>
+          <p:nvPr>
+            <p:ph idx="1"/>
+          </p:nvPr>
+        </p:nvSpPr>
+        <p:spPr>
+          <a:xfrm>
+            <a:off x="838200" y="1825625"/>
+            <a:ext cx="5094319" cy="4351338"/>
+          </a:xfrm>
+        </p:spPr>
+        <p:txBody>
+          <a:bodyPr/>
+          <a:lstStyle/>
+          <a:p>
+            <a:r>
+              <a:rPr lang="zh-CN" altLang="en-US" dirty="0"/>
+              <a:t>获取</a:t>
+            </a:r>
+            <a:r>
+              <a:rPr lang="en-US" altLang="zh-CN" dirty="0" err="1"/>
+              <a:t>disposalMethod</a:t>
+            </a:r>
+            <a:endParaRPr lang="en-US" altLang="zh-CN" dirty="0"/>
+          </a:p>
+          <a:p>
+            <a:r>
+              <a:rPr lang="zh-CN" altLang="en-US" dirty="0"/>
+              <a:t>获取</a:t>
+            </a:r>
+            <a:r>
+              <a:rPr lang="en-US" altLang="zh-CN" dirty="0" err="1"/>
+              <a:t>transparencyGiven</a:t>
+            </a:r>
+            <a:endParaRPr lang="en-US" altLang="zh-CN" dirty="0"/>
+          </a:p>
+          <a:p>
+            <a:r>
+              <a:rPr lang="zh-CN" altLang="en-US" dirty="0"/>
+              <a:t>获取</a:t>
+            </a:r>
+            <a:r>
+              <a:rPr lang="en-US" altLang="zh-CN" dirty="0" err="1"/>
+              <a:t>delayTime</a:t>
+            </a:r>
+            <a:endParaRPr lang="en-US" altLang="zh-CN" dirty="0"/>
+          </a:p>
+          <a:p>
+            <a:r>
+              <a:rPr lang="zh-CN" altLang="en-US" dirty="0"/>
+              <a:t>获取</a:t>
+            </a:r>
+            <a:r>
+              <a:rPr lang="en-US" altLang="zh-CN" dirty="0" err="1"/>
+              <a:t>transparencyIndex</a:t>
+            </a:r>
+            <a:endParaRPr lang="en-US" altLang="zh-CN" dirty="0"/>
+          </a:p>
+        </p:txBody>
+      </p:sp>
+      <p:pic>
+        <p:nvPicPr>
+          <p:cNvPr id="7" name="Picture 6">
+            <a:extLst>
+              <a:ext uri="{FF2B5EF4-FFF2-40B4-BE49-F238E27FC236}">
+                <a16:creationId xmlns:a16="http://schemas.microsoft.com/office/drawing/2014/main" id="{540BAC44-AE6C-A922-3DE0-F5E189CFD8F6}"/>
               </a:ext>
             </a:extLst>
           </p:cNvPr>
@@ -3676,8 +5597,8 @@
         </p:blipFill>
         <p:spPr>
           <a:xfrm>
-            <a:off x="1986871" y="657932"/>
-            <a:ext cx="7978763" cy="5542135"/>
+            <a:off x="6259483" y="1456119"/>
+            <a:ext cx="5326201" cy="4720844"/>
           </a:xfrm>
           <a:prstGeom prst="rect">
             <a:avLst/>
@@ -3687,7 +5608,467 @@
     </p:spTree>
     <p:extLst>
       <p:ext uri="{BB962C8B-B14F-4D97-AF65-F5344CB8AC3E}">
-        <p14:creationId xmlns:p14="http://schemas.microsoft.com/office/powerpoint/2010/main" val="2750463275"/>
+        <p14:creationId xmlns:p14="http://schemas.microsoft.com/office/powerpoint/2010/main" val="3649131270"/>
+      </p:ext>
+    </p:extLst>
+  </p:cSld>
+  <p:clrMapOvr>
+    <a:masterClrMapping/>
+  </p:clrMapOvr>
+</p:sld>
+</file>
+
+<file path=ppt/slides/slide7.xml><?xml version="1.0" encoding="utf-8"?>
+<p:sld xmlns:a="http://schemas.openxmlformats.org/drawingml/2006/main" xmlns:r="http://schemas.openxmlformats.org/officeDocument/2006/relationships" xmlns:p="http://schemas.openxmlformats.org/presentationml/2006/main">
+  <p:cSld>
+    <p:spTree>
+      <p:nvGrpSpPr>
+        <p:cNvPr id="1" name=""/>
+        <p:cNvGrpSpPr/>
+        <p:nvPr/>
+      </p:nvGrpSpPr>
+      <p:grpSpPr>
+        <a:xfrm>
+          <a:off x="0" y="0"/>
+          <a:ext cx="0" cy="0"/>
+          <a:chOff x="0" y="0"/>
+          <a:chExt cx="0" cy="0"/>
+        </a:xfrm>
+      </p:grpSpPr>
+      <p:sp>
+        <p:nvSpPr>
+          <p:cNvPr id="2" name="Title 1">
+            <a:extLst>
+              <a:ext uri="{FF2B5EF4-FFF2-40B4-BE49-F238E27FC236}">
+                <a16:creationId xmlns:a16="http://schemas.microsoft.com/office/drawing/2014/main" id="{3C3E441D-5800-1663-1027-04483CC8D530}"/>
+              </a:ext>
+            </a:extLst>
+          </p:cNvPr>
+          <p:cNvSpPr>
+            <a:spLocks noGrp="1"/>
+          </p:cNvSpPr>
+          <p:nvPr>
+            <p:ph type="title"/>
+          </p:nvPr>
+        </p:nvSpPr>
+        <p:spPr/>
+        <p:txBody>
+          <a:bodyPr/>
+          <a:lstStyle/>
+          <a:p>
+            <a:r>
+              <a:rPr lang="en-US" altLang="zh-CN" dirty="0" err="1"/>
+              <a:t>parseImg</a:t>
+            </a:r>
+            <a:r>
+              <a:rPr lang="en-US" altLang="zh-CN" dirty="0"/>
+              <a:t>()</a:t>
+            </a:r>
+            <a:endParaRPr lang="en-US" dirty="0"/>
+          </a:p>
+        </p:txBody>
+      </p:sp>
+      <p:sp>
+        <p:nvSpPr>
+          <p:cNvPr id="3" name="Content Placeholder 2">
+            <a:extLst>
+              <a:ext uri="{FF2B5EF4-FFF2-40B4-BE49-F238E27FC236}">
+                <a16:creationId xmlns:a16="http://schemas.microsoft.com/office/drawing/2014/main" id="{629C39B2-A484-85EB-0299-BB06D8CA2FD2}"/>
+              </a:ext>
+            </a:extLst>
+          </p:cNvPr>
+          <p:cNvSpPr>
+            <a:spLocks noGrp="1"/>
+          </p:cNvSpPr>
+          <p:nvPr>
+            <p:ph idx="1"/>
+          </p:nvPr>
+        </p:nvSpPr>
+        <p:spPr/>
+        <p:txBody>
+          <a:bodyPr/>
+          <a:lstStyle/>
+          <a:p>
+            <a:r>
+              <a:rPr lang="en-US" dirty="0"/>
+              <a:t>Deinterlace</a:t>
+            </a:r>
+          </a:p>
+          <a:p>
+            <a:r>
+              <a:rPr lang="zh-CN" altLang="en-US" dirty="0"/>
+              <a:t>创建新</a:t>
+            </a:r>
+            <a:r>
+              <a:rPr lang="en-US" altLang="zh-CN" dirty="0"/>
+              <a:t>frame</a:t>
+            </a:r>
+          </a:p>
+          <a:p>
+            <a:pPr lvl="1"/>
+            <a:r>
+              <a:rPr lang="zh-CN" altLang="en-US" dirty="0"/>
+              <a:t>将</a:t>
+            </a:r>
+            <a:r>
+              <a:rPr lang="en-US" altLang="zh-CN" dirty="0"/>
+              <a:t>gif </a:t>
+            </a:r>
+            <a:r>
+              <a:rPr lang="zh-CN" altLang="en-US" dirty="0"/>
+              <a:t>属性复制到</a:t>
+            </a:r>
+            <a:r>
+              <a:rPr lang="en-US" altLang="zh-CN" dirty="0"/>
+              <a:t>frame</a:t>
+            </a:r>
+          </a:p>
+          <a:p>
+            <a:r>
+              <a:rPr lang="zh-CN" altLang="en-US" dirty="0"/>
+              <a:t>判断是否使用</a:t>
+            </a:r>
+            <a:r>
+              <a:rPr lang="en-US" altLang="zh-CN" dirty="0"/>
+              <a:t>local </a:t>
+            </a:r>
+            <a:r>
+              <a:rPr lang="en-US" altLang="zh-CN" dirty="0" err="1"/>
+              <a:t>colour</a:t>
+            </a:r>
+            <a:r>
+              <a:rPr lang="en-US" altLang="zh-CN" dirty="0"/>
+              <a:t> table</a:t>
+            </a:r>
+          </a:p>
+          <a:p>
+            <a:r>
+              <a:rPr lang="en-US" altLang="zh-CN" dirty="0" err="1">
+                <a:hlinkClick r:id="rId2" action="ppaction://hlinksldjump"/>
+              </a:rPr>
+              <a:t>readSubBlocksB</a:t>
+            </a:r>
+            <a:r>
+              <a:rPr lang="en-US" altLang="zh-CN" dirty="0">
+                <a:hlinkClick r:id="rId2" action="ppaction://hlinksldjump"/>
+              </a:rPr>
+              <a:t>() </a:t>
+            </a:r>
+            <a:r>
+              <a:rPr lang="zh-CN" altLang="en-US" dirty="0"/>
+              <a:t>读出</a:t>
+            </a:r>
+            <a:r>
+              <a:rPr lang="en-US" altLang="zh-CN" dirty="0"/>
+              <a:t>block data</a:t>
+            </a:r>
+          </a:p>
+          <a:p>
+            <a:r>
+              <a:rPr lang="en-US" altLang="zh-CN" dirty="0" err="1"/>
+              <a:t>lzwDecode</a:t>
+            </a:r>
+            <a:r>
+              <a:rPr lang="en-US" altLang="zh-CN" dirty="0"/>
+              <a:t> </a:t>
+            </a:r>
+            <a:r>
+              <a:rPr lang="zh-CN" altLang="en-US" dirty="0"/>
+              <a:t>解码 </a:t>
+            </a:r>
+            <a:r>
+              <a:rPr lang="en-US" altLang="zh-CN" dirty="0"/>
+              <a:t>data</a:t>
+            </a:r>
+          </a:p>
+          <a:p>
+            <a:r>
+              <a:rPr lang="en-US" altLang="zh-CN" dirty="0" err="1"/>
+              <a:t>lzwDecode</a:t>
+            </a:r>
+            <a:r>
+              <a:rPr lang="en-US" altLang="zh-CN" dirty="0"/>
+              <a:t> </a:t>
+            </a:r>
+            <a:r>
+              <a:rPr lang="zh-CN" altLang="en-US" dirty="0"/>
+              <a:t>解码后数据放在</a:t>
+            </a:r>
+            <a:r>
+              <a:rPr lang="en-US" altLang="zh-CN" dirty="0" err="1"/>
+              <a:t>pixelBuf</a:t>
+            </a:r>
+            <a:r>
+              <a:rPr lang="zh-CN" altLang="en-US" dirty="0"/>
+              <a:t>中</a:t>
+            </a:r>
+            <a:endParaRPr lang="en-US" altLang="zh-CN" dirty="0"/>
+          </a:p>
+        </p:txBody>
+      </p:sp>
+    </p:spTree>
+    <p:extLst>
+      <p:ext uri="{BB962C8B-B14F-4D97-AF65-F5344CB8AC3E}">
+        <p14:creationId xmlns:p14="http://schemas.microsoft.com/office/powerpoint/2010/main" val="157233987"/>
+      </p:ext>
+    </p:extLst>
+  </p:cSld>
+  <p:clrMapOvr>
+    <a:masterClrMapping/>
+  </p:clrMapOvr>
+</p:sld>
+</file>
+
+<file path=ppt/slides/slide8.xml><?xml version="1.0" encoding="utf-8"?>
+<p:sld xmlns:a="http://schemas.openxmlformats.org/drawingml/2006/main" xmlns:r="http://schemas.openxmlformats.org/officeDocument/2006/relationships" xmlns:p="http://schemas.openxmlformats.org/presentationml/2006/main">
+  <p:cSld>
+    <p:spTree>
+      <p:nvGrpSpPr>
+        <p:cNvPr id="1" name=""/>
+        <p:cNvGrpSpPr/>
+        <p:nvPr/>
+      </p:nvGrpSpPr>
+      <p:grpSpPr>
+        <a:xfrm>
+          <a:off x="0" y="0"/>
+          <a:ext cx="0" cy="0"/>
+          <a:chOff x="0" y="0"/>
+          <a:chExt cx="0" cy="0"/>
+        </a:xfrm>
+      </p:grpSpPr>
+      <p:sp>
+        <p:nvSpPr>
+          <p:cNvPr id="2" name="Title 1">
+            <a:extLst>
+              <a:ext uri="{FF2B5EF4-FFF2-40B4-BE49-F238E27FC236}">
+                <a16:creationId xmlns:a16="http://schemas.microsoft.com/office/drawing/2014/main" id="{C454A1F3-B538-2227-851E-294ED8FBC0A3}"/>
+              </a:ext>
+            </a:extLst>
+          </p:cNvPr>
+          <p:cNvSpPr>
+            <a:spLocks noGrp="1"/>
+          </p:cNvSpPr>
+          <p:nvPr>
+            <p:ph type="title"/>
+          </p:nvPr>
+        </p:nvSpPr>
+        <p:spPr/>
+        <p:txBody>
+          <a:bodyPr/>
+          <a:lstStyle/>
+          <a:p>
+            <a:r>
+              <a:rPr lang="en-US" altLang="zh-CN" dirty="0" err="1"/>
+              <a:t>readSubBlocksB</a:t>
+            </a:r>
+            <a:r>
+              <a:rPr lang="en-US" altLang="zh-CN" dirty="0"/>
+              <a:t>()</a:t>
+            </a:r>
+            <a:endParaRPr lang="en-US" dirty="0"/>
+          </a:p>
+        </p:txBody>
+      </p:sp>
+      <p:sp>
+        <p:nvSpPr>
+          <p:cNvPr id="3" name="Content Placeholder 2">
+            <a:extLst>
+              <a:ext uri="{FF2B5EF4-FFF2-40B4-BE49-F238E27FC236}">
+                <a16:creationId xmlns:a16="http://schemas.microsoft.com/office/drawing/2014/main" id="{04A66B12-484E-C2BA-68A1-45A58E160530}"/>
+              </a:ext>
+            </a:extLst>
+          </p:cNvPr>
+          <p:cNvSpPr>
+            <a:spLocks noGrp="1"/>
+          </p:cNvSpPr>
+          <p:nvPr>
+            <p:ph idx="1"/>
+          </p:nvPr>
+        </p:nvSpPr>
+        <p:spPr/>
+        <p:txBody>
+          <a:bodyPr/>
+          <a:lstStyle/>
+          <a:p>
+            <a:r>
+              <a:rPr lang="zh-CN" altLang="en-US" dirty="0"/>
+              <a:t>从</a:t>
+            </a:r>
+            <a:r>
+              <a:rPr lang="en-US" altLang="zh-CN" dirty="0"/>
+              <a:t>block</a:t>
+            </a:r>
+            <a:r>
+              <a:rPr lang="zh-CN" altLang="en-US" dirty="0"/>
+              <a:t>头获取当前</a:t>
+            </a:r>
+            <a:r>
+              <a:rPr lang="en-US" altLang="zh-CN" dirty="0"/>
+              <a:t>block size</a:t>
+            </a:r>
+          </a:p>
+          <a:p>
+            <a:r>
+              <a:rPr lang="zh-CN" altLang="en-US" dirty="0"/>
+              <a:t>返回</a:t>
+            </a:r>
+            <a:r>
+              <a:rPr lang="en-US" altLang="zh-CN" dirty="0"/>
+              <a:t>block</a:t>
+            </a:r>
+            <a:r>
+              <a:rPr lang="zh-CN" altLang="en-US" dirty="0"/>
+              <a:t>内数据</a:t>
+            </a:r>
+            <a:r>
+              <a:rPr lang="en-US" altLang="zh-CN" dirty="0"/>
+              <a:t>data</a:t>
+            </a:r>
+            <a:endParaRPr lang="en-US" dirty="0"/>
+          </a:p>
+        </p:txBody>
+      </p:sp>
+    </p:spTree>
+    <p:extLst>
+      <p:ext uri="{BB962C8B-B14F-4D97-AF65-F5344CB8AC3E}">
+        <p14:creationId xmlns:p14="http://schemas.microsoft.com/office/powerpoint/2010/main" val="2864274076"/>
+      </p:ext>
+    </p:extLst>
+  </p:cSld>
+  <p:clrMapOvr>
+    <a:masterClrMapping/>
+  </p:clrMapOvr>
+</p:sld>
+</file>
+
+<file path=ppt/slides/slide9.xml><?xml version="1.0" encoding="utf-8"?>
+<p:sld xmlns:a="http://schemas.openxmlformats.org/drawingml/2006/main" xmlns:r="http://schemas.openxmlformats.org/officeDocument/2006/relationships" xmlns:p="http://schemas.openxmlformats.org/presentationml/2006/main">
+  <p:cSld>
+    <p:spTree>
+      <p:nvGrpSpPr>
+        <p:cNvPr id="1" name=""/>
+        <p:cNvGrpSpPr/>
+        <p:nvPr/>
+      </p:nvGrpSpPr>
+      <p:grpSpPr>
+        <a:xfrm>
+          <a:off x="0" y="0"/>
+          <a:ext cx="0" cy="0"/>
+          <a:chOff x="0" y="0"/>
+          <a:chExt cx="0" cy="0"/>
+        </a:xfrm>
+      </p:grpSpPr>
+      <p:sp>
+        <p:nvSpPr>
+          <p:cNvPr id="2" name="Title 1">
+            <a:extLst>
+              <a:ext uri="{FF2B5EF4-FFF2-40B4-BE49-F238E27FC236}">
+                <a16:creationId xmlns:a16="http://schemas.microsoft.com/office/drawing/2014/main" id="{A36F64F0-71CC-B417-DED1-BE8CA8E565DF}"/>
+              </a:ext>
+            </a:extLst>
+          </p:cNvPr>
+          <p:cNvSpPr>
+            <a:spLocks noGrp="1"/>
+          </p:cNvSpPr>
+          <p:nvPr>
+            <p:ph type="title"/>
+          </p:nvPr>
+        </p:nvSpPr>
+        <p:spPr/>
+        <p:txBody>
+          <a:bodyPr/>
+          <a:lstStyle/>
+          <a:p>
+            <a:r>
+              <a:rPr lang="en-US" altLang="zh-CN" dirty="0" err="1"/>
+              <a:t>Finnished</a:t>
+            </a:r>
+            <a:r>
+              <a:rPr lang="en-US" altLang="zh-CN" dirty="0"/>
+              <a:t>()</a:t>
+            </a:r>
+            <a:endParaRPr lang="en-US" dirty="0"/>
+          </a:p>
+        </p:txBody>
+      </p:sp>
+      <p:sp>
+        <p:nvSpPr>
+          <p:cNvPr id="3" name="Content Placeholder 2">
+            <a:extLst>
+              <a:ext uri="{FF2B5EF4-FFF2-40B4-BE49-F238E27FC236}">
+                <a16:creationId xmlns:a16="http://schemas.microsoft.com/office/drawing/2014/main" id="{A1AD0535-3AE2-9C97-A5D6-9287E4389DC9}"/>
+              </a:ext>
+            </a:extLst>
+          </p:cNvPr>
+          <p:cNvSpPr>
+            <a:spLocks noGrp="1"/>
+          </p:cNvSpPr>
+          <p:nvPr>
+            <p:ph idx="1"/>
+          </p:nvPr>
+        </p:nvSpPr>
+        <p:spPr>
+          <a:xfrm>
+            <a:off x="838200" y="1825625"/>
+            <a:ext cx="3908367" cy="4351338"/>
+          </a:xfrm>
+        </p:spPr>
+        <p:txBody>
+          <a:bodyPr/>
+          <a:lstStyle/>
+          <a:p>
+            <a:r>
+              <a:rPr lang="en-US" dirty="0" err="1"/>
+              <a:t>doOnloadEvent</a:t>
+            </a:r>
+            <a:endParaRPr lang="en-US" dirty="0"/>
+          </a:p>
+          <a:p>
+            <a:r>
+              <a:rPr lang="en-US" dirty="0" err="1"/>
+              <a:t>Gif.play</a:t>
+            </a:r>
+            <a:r>
+              <a:rPr lang="en-US" dirty="0"/>
+              <a:t>()</a:t>
+            </a:r>
+          </a:p>
+        </p:txBody>
+      </p:sp>
+      <p:pic>
+        <p:nvPicPr>
+          <p:cNvPr id="5" name="Picture 4">
+            <a:extLst>
+              <a:ext uri="{FF2B5EF4-FFF2-40B4-BE49-F238E27FC236}">
+                <a16:creationId xmlns:a16="http://schemas.microsoft.com/office/drawing/2014/main" id="{735010EE-6134-A6C7-7ED2-E8B08F35FCF7}"/>
+              </a:ext>
+            </a:extLst>
+          </p:cNvPr>
+          <p:cNvPicPr>
+            <a:picLocks noChangeAspect="1"/>
+          </p:cNvPicPr>
+          <p:nvPr/>
+        </p:nvPicPr>
+        <p:blipFill>
+          <a:blip r:embed="rId2"/>
+          <a:stretch>
+            <a:fillRect/>
+          </a:stretch>
+        </p:blipFill>
+        <p:spPr>
+          <a:xfrm>
+            <a:off x="5095701" y="1995207"/>
+            <a:ext cx="7561174" cy="4012174"/>
+          </a:xfrm>
+          <a:prstGeom prst="rect">
+            <a:avLst/>
+          </a:prstGeom>
+        </p:spPr>
+      </p:pic>
+    </p:spTree>
+    <p:extLst>
+      <p:ext uri="{BB962C8B-B14F-4D97-AF65-F5344CB8AC3E}">
+        <p14:creationId xmlns:p14="http://schemas.microsoft.com/office/powerpoint/2010/main" val="842411839"/>
       </p:ext>
     </p:extLst>
   </p:cSld>
@@ -3990,4 +6371,299 @@
     </a:ext>
   </a:extLst>
 </a:theme>
+</file>
+
+<file path=ppt/theme/theme2.xml><?xml version="1.0" encoding="utf-8"?>
+<a:theme xmlns:a="http://schemas.openxmlformats.org/drawingml/2006/main" name="Office Theme">
+  <a:themeElements>
+    <a:clrScheme name="Office">
+      <a:dk1>
+        <a:sysClr val="windowText" lastClr="000000"/>
+      </a:dk1>
+      <a:lt1>
+        <a:sysClr val="window" lastClr="FFFFFF"/>
+      </a:lt1>
+      <a:dk2>
+        <a:srgbClr val="44546A"/>
+      </a:dk2>
+      <a:lt2>
+        <a:srgbClr val="E7E6E6"/>
+      </a:lt2>
+      <a:accent1>
+        <a:srgbClr val="4472C4"/>
+      </a:accent1>
+      <a:accent2>
+        <a:srgbClr val="ED7D31"/>
+      </a:accent2>
+      <a:accent3>
+        <a:srgbClr val="A5A5A5"/>
+      </a:accent3>
+      <a:accent4>
+        <a:srgbClr val="FFC000"/>
+      </a:accent4>
+      <a:accent5>
+        <a:srgbClr val="5B9BD5"/>
+      </a:accent5>
+      <a:accent6>
+        <a:srgbClr val="70AD47"/>
+      </a:accent6>
+      <a:hlink>
+        <a:srgbClr val="0563C1"/>
+      </a:hlink>
+      <a:folHlink>
+        <a:srgbClr val="954F72"/>
+      </a:folHlink>
+    </a:clrScheme>
+    <a:fontScheme name="Office">
+      <a:majorFont>
+        <a:latin typeface="Calibri Light" panose="020F0302020204030204"/>
+        <a:ea typeface=""/>
+        <a:cs typeface=""/>
+        <a:font script="Jpan" typeface="游ゴシック Light"/>
+        <a:font script="Hang" typeface="맑은 고딕"/>
+        <a:font script="Hans" typeface="等线 Light"/>
+        <a:font script="Hant" typeface="新細明體"/>
+        <a:font script="Arab" typeface="Times New Roman"/>
+        <a:font script="Hebr" typeface="Times New Roman"/>
+        <a:font script="Thai" typeface="Angsana New"/>
+        <a:font script="Ethi" typeface="Nyala"/>
+        <a:font script="Beng" typeface="Vrinda"/>
+        <a:font script="Gujr" typeface="Shruti"/>
+        <a:font script="Khmr" typeface="MoolBoran"/>
+        <a:font script="Knda" typeface="Tunga"/>
+        <a:font script="Guru" typeface="Raavi"/>
+        <a:font script="Cans" typeface="Euphemia"/>
+        <a:font script="Cher" typeface="Plantagenet Cherokee"/>
+        <a:font script="Yiii" typeface="Microsoft Yi Baiti"/>
+        <a:font script="Tibt" typeface="Microsoft Himalaya"/>
+        <a:font script="Thaa" typeface="MV Boli"/>
+        <a:font script="Deva" typeface="Mangal"/>
+        <a:font script="Telu" typeface="Gautami"/>
+        <a:font script="Taml" typeface="Latha"/>
+        <a:font script="Syrc" typeface="Estrangelo Edessa"/>
+        <a:font script="Orya" typeface="Kalinga"/>
+        <a:font script="Mlym" typeface="Kartika"/>
+        <a:font script="Laoo" typeface="DokChampa"/>
+        <a:font script="Sinh" typeface="Iskoola Pota"/>
+        <a:font script="Mong" typeface="Mongolian Baiti"/>
+        <a:font script="Viet" typeface="Times New Roman"/>
+        <a:font script="Uigh" typeface="Microsoft Uighur"/>
+        <a:font script="Geor" typeface="Sylfaen"/>
+        <a:font script="Armn" typeface="Arial"/>
+        <a:font script="Bugi" typeface="Leelawadee UI"/>
+        <a:font script="Bopo" typeface="Microsoft JhengHei"/>
+        <a:font script="Java" typeface="Javanese Text"/>
+        <a:font script="Lisu" typeface="Segoe UI"/>
+        <a:font script="Mymr" typeface="Myanmar Text"/>
+        <a:font script="Nkoo" typeface="Ebrima"/>
+        <a:font script="Olck" typeface="Nirmala UI"/>
+        <a:font script="Osma" typeface="Ebrima"/>
+        <a:font script="Phag" typeface="Phagspa"/>
+        <a:font script="Syrn" typeface="Estrangelo Edessa"/>
+        <a:font script="Syrj" typeface="Estrangelo Edessa"/>
+        <a:font script="Syre" typeface="Estrangelo Edessa"/>
+        <a:font script="Sora" typeface="Nirmala UI"/>
+        <a:font script="Tale" typeface="Microsoft Tai Le"/>
+        <a:font script="Talu" typeface="Microsoft New Tai Lue"/>
+        <a:font script="Tfng" typeface="Ebrima"/>
+      </a:majorFont>
+      <a:minorFont>
+        <a:latin typeface="Calibri" panose="020F0502020204030204"/>
+        <a:ea typeface=""/>
+        <a:cs typeface=""/>
+        <a:font script="Jpan" typeface="游ゴシック"/>
+        <a:font script="Hang" typeface="맑은 고딕"/>
+        <a:font script="Hans" typeface="等线"/>
+        <a:font script="Hant" typeface="新細明體"/>
+        <a:font script="Arab" typeface="Arial"/>
+        <a:font script="Hebr" typeface="Arial"/>
+        <a:font script="Thai" typeface="Cordia New"/>
+        <a:font script="Ethi" typeface="Nyala"/>
+        <a:font script="Beng" typeface="Vrinda"/>
+        <a:font script="Gujr" typeface="Shruti"/>
+        <a:font script="Khmr" typeface="DaunPenh"/>
+        <a:font script="Knda" typeface="Tunga"/>
+        <a:font script="Guru" typeface="Raavi"/>
+        <a:font script="Cans" typeface="Euphemia"/>
+        <a:font script="Cher" typeface="Plantagenet Cherokee"/>
+        <a:font script="Yiii" typeface="Microsoft Yi Baiti"/>
+        <a:font script="Tibt" typeface="Microsoft Himalaya"/>
+        <a:font script="Thaa" typeface="MV Boli"/>
+        <a:font script="Deva" typeface="Mangal"/>
+        <a:font script="Telu" typeface="Gautami"/>
+        <a:font script="Taml" typeface="Latha"/>
+        <a:font script="Syrc" typeface="Estrangelo Edessa"/>
+        <a:font script="Orya" typeface="Kalinga"/>
+        <a:font script="Mlym" typeface="Kartika"/>
+        <a:font script="Laoo" typeface="DokChampa"/>
+        <a:font script="Sinh" typeface="Iskoola Pota"/>
+        <a:font script="Mong" typeface="Mongolian Baiti"/>
+        <a:font script="Viet" typeface="Arial"/>
+        <a:font script="Uigh" typeface="Microsoft Uighur"/>
+        <a:font script="Geor" typeface="Sylfaen"/>
+        <a:font script="Armn" typeface="Arial"/>
+        <a:font script="Bugi" typeface="Leelawadee UI"/>
+        <a:font script="Bopo" typeface="Microsoft JhengHei"/>
+        <a:font script="Java" typeface="Javanese Text"/>
+        <a:font script="Lisu" typeface="Segoe UI"/>
+        <a:font script="Mymr" typeface="Myanmar Text"/>
+        <a:font script="Nkoo" typeface="Ebrima"/>
+        <a:font script="Olck" typeface="Nirmala UI"/>
+        <a:font script="Osma" typeface="Ebrima"/>
+        <a:font script="Phag" typeface="Phagspa"/>
+        <a:font script="Syrn" typeface="Estrangelo Edessa"/>
+        <a:font script="Syrj" typeface="Estrangelo Edessa"/>
+        <a:font script="Syre" typeface="Estrangelo Edessa"/>
+        <a:font script="Sora" typeface="Nirmala UI"/>
+        <a:font script="Tale" typeface="Microsoft Tai Le"/>
+        <a:font script="Talu" typeface="Microsoft New Tai Lue"/>
+        <a:font script="Tfng" typeface="Ebrima"/>
+      </a:minorFont>
+    </a:fontScheme>
+    <a:fmtScheme name="Office">
+      <a:fillStyleLst>
+        <a:solidFill>
+          <a:schemeClr val="phClr"/>
+        </a:solidFill>
+        <a:gradFill rotWithShape="1">
+          <a:gsLst>
+            <a:gs pos="0">
+              <a:schemeClr val="phClr">
+                <a:lumMod val="110000"/>
+                <a:satMod val="105000"/>
+                <a:tint val="67000"/>
+              </a:schemeClr>
+            </a:gs>
+            <a:gs pos="50000">
+              <a:schemeClr val="phClr">
+                <a:lumMod val="105000"/>
+                <a:satMod val="103000"/>
+                <a:tint val="73000"/>
+              </a:schemeClr>
+            </a:gs>
+            <a:gs pos="100000">
+              <a:schemeClr val="phClr">
+                <a:lumMod val="105000"/>
+                <a:satMod val="109000"/>
+                <a:tint val="81000"/>
+              </a:schemeClr>
+            </a:gs>
+          </a:gsLst>
+          <a:lin ang="5400000" scaled="0"/>
+        </a:gradFill>
+        <a:gradFill rotWithShape="1">
+          <a:gsLst>
+            <a:gs pos="0">
+              <a:schemeClr val="phClr">
+                <a:satMod val="103000"/>
+                <a:lumMod val="102000"/>
+                <a:tint val="94000"/>
+              </a:schemeClr>
+            </a:gs>
+            <a:gs pos="50000">
+              <a:schemeClr val="phClr">
+                <a:satMod val="110000"/>
+                <a:lumMod val="100000"/>
+                <a:shade val="100000"/>
+              </a:schemeClr>
+            </a:gs>
+            <a:gs pos="100000">
+              <a:schemeClr val="phClr">
+                <a:lumMod val="99000"/>
+                <a:satMod val="120000"/>
+                <a:shade val="78000"/>
+              </a:schemeClr>
+            </a:gs>
+          </a:gsLst>
+          <a:lin ang="5400000" scaled="0"/>
+        </a:gradFill>
+      </a:fillStyleLst>
+      <a:lnStyleLst>
+        <a:ln w="6350" cap="flat" cmpd="sng" algn="ctr">
+          <a:solidFill>
+            <a:schemeClr val="phClr"/>
+          </a:solidFill>
+          <a:prstDash val="solid"/>
+          <a:miter lim="800000"/>
+        </a:ln>
+        <a:ln w="12700" cap="flat" cmpd="sng" algn="ctr">
+          <a:solidFill>
+            <a:schemeClr val="phClr"/>
+          </a:solidFill>
+          <a:prstDash val="solid"/>
+          <a:miter lim="800000"/>
+        </a:ln>
+        <a:ln w="19050" cap="flat" cmpd="sng" algn="ctr">
+          <a:solidFill>
+            <a:schemeClr val="phClr"/>
+          </a:solidFill>
+          <a:prstDash val="solid"/>
+          <a:miter lim="800000"/>
+        </a:ln>
+      </a:lnStyleLst>
+      <a:effectStyleLst>
+        <a:effectStyle>
+          <a:effectLst/>
+        </a:effectStyle>
+        <a:effectStyle>
+          <a:effectLst/>
+        </a:effectStyle>
+        <a:effectStyle>
+          <a:effectLst>
+            <a:outerShdw blurRad="57150" dist="19050" dir="5400000" algn="ctr" rotWithShape="0">
+              <a:srgbClr val="000000">
+                <a:alpha val="63000"/>
+              </a:srgbClr>
+            </a:outerShdw>
+          </a:effectLst>
+        </a:effectStyle>
+      </a:effectStyleLst>
+      <a:bgFillStyleLst>
+        <a:solidFill>
+          <a:schemeClr val="phClr"/>
+        </a:solidFill>
+        <a:solidFill>
+          <a:schemeClr val="phClr">
+            <a:tint val="95000"/>
+            <a:satMod val="170000"/>
+          </a:schemeClr>
+        </a:solidFill>
+        <a:gradFill rotWithShape="1">
+          <a:gsLst>
+            <a:gs pos="0">
+              <a:schemeClr val="phClr">
+                <a:tint val="93000"/>
+                <a:satMod val="150000"/>
+                <a:shade val="98000"/>
+                <a:lumMod val="102000"/>
+              </a:schemeClr>
+            </a:gs>
+            <a:gs pos="50000">
+              <a:schemeClr val="phClr">
+                <a:tint val="98000"/>
+                <a:satMod val="130000"/>
+                <a:shade val="90000"/>
+                <a:lumMod val="103000"/>
+              </a:schemeClr>
+            </a:gs>
+            <a:gs pos="100000">
+              <a:schemeClr val="phClr">
+                <a:shade val="63000"/>
+                <a:satMod val="120000"/>
+              </a:schemeClr>
+            </a:gs>
+          </a:gsLst>
+          <a:lin ang="5400000" scaled="0"/>
+        </a:gradFill>
+      </a:bgFillStyleLst>
+    </a:fmtScheme>
+  </a:themeElements>
+  <a:objectDefaults/>
+  <a:extraClrSchemeLst/>
+  <a:extLst>
+    <a:ext uri="{05A4C25C-085E-4340-85A3-A5531E510DB2}">
+      <thm15:themeFamily xmlns:thm15="http://schemas.microsoft.com/office/thememl/2012/main" name="Office Theme" id="{62F939B6-93AF-4DB8-9C6B-D6C7DFDC589F}" vid="{4A3C46E8-61CC-4603-A589-7422A47A8E4A}"/>
+    </a:ext>
+  </a:extLst>
+</a:theme>
 </file>